--- a/Документы/Презентация.pptx
+++ b/Документы/Презентация.pptx
@@ -5,16 +5,20 @@
     <p:sldMasterId id="2147483672" r:id="rId1"/>
   </p:sldMasterIdLst>
   <p:notesMasterIdLst>
-    <p:notesMasterId r:id="rId9"/>
+    <p:notesMasterId r:id="rId13"/>
   </p:notesMasterIdLst>
   <p:sldIdLst>
     <p:sldId id="256" r:id="rId2"/>
-    <p:sldId id="257" r:id="rId3"/>
-    <p:sldId id="262" r:id="rId4"/>
-    <p:sldId id="263" r:id="rId5"/>
-    <p:sldId id="264" r:id="rId6"/>
-    <p:sldId id="265" r:id="rId7"/>
-    <p:sldId id="259" r:id="rId8"/>
+    <p:sldId id="266" r:id="rId3"/>
+    <p:sldId id="267" r:id="rId4"/>
+    <p:sldId id="257" r:id="rId5"/>
+    <p:sldId id="268" r:id="rId6"/>
+    <p:sldId id="269" r:id="rId7"/>
+    <p:sldId id="270" r:id="rId8"/>
+    <p:sldId id="271" r:id="rId9"/>
+    <p:sldId id="272" r:id="rId10"/>
+    <p:sldId id="273" r:id="rId11"/>
+    <p:sldId id="259" r:id="rId12"/>
   </p:sldIdLst>
   <p:sldSz cx="9144000" cy="6858000" type="screen4x3"/>
   <p:notesSz cx="6858000" cy="9144000"/>
@@ -464,90 +468,6 @@
     </a:lvl9pPr>
   </p:notesStyle>
 </p:notesMaster>
-</file>
-
-<file path=ppt/notesSlides/notesSlide1.xml><?xml version="1.0" encoding="utf-8"?>
-<p:notes xmlns:a="http://schemas.openxmlformats.org/drawingml/2006/main" xmlns:r="http://schemas.openxmlformats.org/officeDocument/2006/relationships" xmlns:p="http://schemas.openxmlformats.org/presentationml/2006/main">
-  <p:cSld>
-    <p:spTree>
-      <p:nvGrpSpPr>
-        <p:cNvPr id="1" name=""/>
-        <p:cNvGrpSpPr/>
-        <p:nvPr/>
-      </p:nvGrpSpPr>
-      <p:grpSpPr>
-        <a:xfrm>
-          <a:off x="0" y="0"/>
-          <a:ext cx="0" cy="0"/>
-          <a:chOff x="0" y="0"/>
-          <a:chExt cx="0" cy="0"/>
-        </a:xfrm>
-      </p:grpSpPr>
-      <p:sp>
-        <p:nvSpPr>
-          <p:cNvPr id="2" name="Образ слайда 1"/>
-          <p:cNvSpPr>
-            <a:spLocks noGrp="1" noRot="1" noChangeAspect="1"/>
-          </p:cNvSpPr>
-          <p:nvPr>
-            <p:ph type="sldImg"/>
-          </p:nvPr>
-        </p:nvSpPr>
-        <p:spPr/>
-      </p:sp>
-      <p:sp>
-        <p:nvSpPr>
-          <p:cNvPr id="3" name="Заметки 2"/>
-          <p:cNvSpPr>
-            <a:spLocks noGrp="1"/>
-          </p:cNvSpPr>
-          <p:nvPr>
-            <p:ph type="body" idx="1"/>
-          </p:nvPr>
-        </p:nvSpPr>
-        <p:spPr/>
-        <p:txBody>
-          <a:bodyPr/>
-          <a:lstStyle/>
-          <a:p>
-            <a:endParaRPr lang="ru-RU" dirty="0"/>
-          </a:p>
-        </p:txBody>
-      </p:sp>
-      <p:sp>
-        <p:nvSpPr>
-          <p:cNvPr id="4" name="Номер слайда 3"/>
-          <p:cNvSpPr>
-            <a:spLocks noGrp="1"/>
-          </p:cNvSpPr>
-          <p:nvPr>
-            <p:ph type="sldNum" sz="quarter" idx="10"/>
-          </p:nvPr>
-        </p:nvSpPr>
-        <p:spPr/>
-        <p:txBody>
-          <a:bodyPr/>
-          <a:lstStyle/>
-          <a:p>
-            <a:fld id="{59B9C08D-AB60-442C-96FF-BD3B06F0E5B0}" type="slidenum">
-              <a:rPr lang="ru-RU" smtClean="0"/>
-              <a:t>3</a:t>
-            </a:fld>
-            <a:endParaRPr lang="ru-RU"/>
-          </a:p>
-        </p:txBody>
-      </p:sp>
-    </p:spTree>
-    <p:extLst>
-      <p:ext uri="{BB962C8B-B14F-4D97-AF65-F5344CB8AC3E}">
-        <p14:creationId xmlns:p14="http://schemas.microsoft.com/office/powerpoint/2010/main" val="1696506575"/>
-      </p:ext>
-    </p:extLst>
-  </p:cSld>
-  <p:clrMapOvr>
-    <a:masterClrMapping/>
-  </p:clrMapOvr>
-</p:notes>
 </file>
 
 <file path=ppt/slideLayouts/slideLayout1.xml><?xml version="1.0" encoding="utf-8"?>
@@ -3945,6 +3865,166 @@
 </p:sld>
 </file>
 
+<file path=ppt/slides/slide10.xml><?xml version="1.0" encoding="utf-8"?>
+<p:sld xmlns:a="http://schemas.openxmlformats.org/drawingml/2006/main" xmlns:r="http://schemas.openxmlformats.org/officeDocument/2006/relationships" xmlns:p="http://schemas.openxmlformats.org/presentationml/2006/main">
+  <p:cSld>
+    <p:spTree>
+      <p:nvGrpSpPr>
+        <p:cNvPr id="1" name=""/>
+        <p:cNvGrpSpPr/>
+        <p:nvPr/>
+      </p:nvGrpSpPr>
+      <p:grpSpPr>
+        <a:xfrm>
+          <a:off x="0" y="0"/>
+          <a:ext cx="0" cy="0"/>
+          <a:chOff x="0" y="0"/>
+          <a:chExt cx="0" cy="0"/>
+        </a:xfrm>
+      </p:grpSpPr>
+      <p:sp>
+        <p:nvSpPr>
+          <p:cNvPr id="2" name="Заголовок 1"/>
+          <p:cNvSpPr>
+            <a:spLocks noGrp="1"/>
+          </p:cNvSpPr>
+          <p:nvPr>
+            <p:ph type="title"/>
+          </p:nvPr>
+        </p:nvSpPr>
+        <p:spPr/>
+        <p:txBody>
+          <a:bodyPr>
+            <a:normAutofit/>
+          </a:bodyPr>
+          <a:lstStyle/>
+          <a:p>
+            <a:pPr algn="ctr"/>
+            <a:r>
+              <a:rPr lang="ru-RU" sz="3200" dirty="0" smtClean="0"/>
+              <a:t>Администраторская версия</a:t>
+            </a:r>
+            <a:endParaRPr lang="ru-RU" sz="3200" dirty="0"/>
+          </a:p>
+        </p:txBody>
+      </p:sp>
+      <p:pic>
+        <p:nvPicPr>
+          <p:cNvPr id="3074" name="Picture 2" descr="C:\Users\User\Pictures\Screenshots\Снимок экрана (18).png"/>
+          <p:cNvPicPr>
+            <a:picLocks noGrp="1" noChangeAspect="1" noChangeArrowheads="1"/>
+          </p:cNvPicPr>
+          <p:nvPr>
+            <p:ph idx="1"/>
+          </p:nvPr>
+        </p:nvPicPr>
+        <p:blipFill>
+          <a:blip r:embed="rId2">
+            <a:extLst>
+              <a:ext uri="{28A0092B-C50C-407E-A947-70E740481C1C}">
+                <a14:useLocalDpi xmlns:a14="http://schemas.microsoft.com/office/drawing/2010/main" val="0"/>
+              </a:ext>
+            </a:extLst>
+          </a:blip>
+          <a:srcRect/>
+          <a:stretch>
+            <a:fillRect/>
+          </a:stretch>
+        </p:blipFill>
+        <p:spPr bwMode="auto">
+          <a:xfrm>
+            <a:off x="457200" y="1891367"/>
+            <a:ext cx="8229600" cy="4294466"/>
+          </a:xfrm>
+          <a:prstGeom prst="rect">
+            <a:avLst/>
+          </a:prstGeom>
+          <a:noFill/>
+          <a:extLst>
+            <a:ext uri="{909E8E84-426E-40DD-AFC4-6F175D3DCCD1}">
+              <a14:hiddenFill xmlns:a14="http://schemas.microsoft.com/office/drawing/2010/main">
+                <a:solidFill>
+                  <a:srgbClr val="FFFFFF"/>
+                </a:solidFill>
+              </a14:hiddenFill>
+            </a:ext>
+          </a:extLst>
+        </p:spPr>
+      </p:pic>
+    </p:spTree>
+    <p:extLst>
+      <p:ext uri="{BB962C8B-B14F-4D97-AF65-F5344CB8AC3E}">
+        <p14:creationId xmlns:p14="http://schemas.microsoft.com/office/powerpoint/2010/main" val="1388560511"/>
+      </p:ext>
+    </p:extLst>
+  </p:cSld>
+  <p:clrMapOvr>
+    <a:masterClrMapping/>
+  </p:clrMapOvr>
+</p:sld>
+</file>
+
+<file path=ppt/slides/slide11.xml><?xml version="1.0" encoding="utf-8"?>
+<p:sld xmlns:a="http://schemas.openxmlformats.org/drawingml/2006/main" xmlns:r="http://schemas.openxmlformats.org/officeDocument/2006/relationships" xmlns:p="http://schemas.openxmlformats.org/presentationml/2006/main">
+  <p:cSld>
+    <p:spTree>
+      <p:nvGrpSpPr>
+        <p:cNvPr id="1" name=""/>
+        <p:cNvGrpSpPr/>
+        <p:nvPr/>
+      </p:nvGrpSpPr>
+      <p:grpSpPr>
+        <a:xfrm>
+          <a:off x="0" y="0"/>
+          <a:ext cx="0" cy="0"/>
+          <a:chOff x="0" y="0"/>
+          <a:chExt cx="0" cy="0"/>
+        </a:xfrm>
+      </p:grpSpPr>
+      <p:sp>
+        <p:nvSpPr>
+          <p:cNvPr id="2" name="Заголовок 1"/>
+          <p:cNvSpPr>
+            <a:spLocks noGrp="1"/>
+          </p:cNvSpPr>
+          <p:nvPr>
+            <p:ph type="title"/>
+          </p:nvPr>
+        </p:nvSpPr>
+        <p:spPr>
+          <a:xfrm>
+            <a:off x="395536" y="2636912"/>
+            <a:ext cx="8229600" cy="1143000"/>
+          </a:xfrm>
+        </p:spPr>
+        <p:txBody>
+          <a:bodyPr>
+            <a:normAutofit/>
+          </a:bodyPr>
+          <a:lstStyle/>
+          <a:p>
+            <a:pPr algn="ctr"/>
+            <a:r>
+              <a:rPr lang="ru-RU" sz="3200" dirty="0" smtClean="0"/>
+              <a:t>Спасибо за внимание</a:t>
+            </a:r>
+            <a:endParaRPr lang="ru-RU" sz="3200" dirty="0"/>
+          </a:p>
+        </p:txBody>
+      </p:sp>
+    </p:spTree>
+    <p:extLst>
+      <p:ext uri="{BB962C8B-B14F-4D97-AF65-F5344CB8AC3E}">
+        <p14:creationId xmlns:p14="http://schemas.microsoft.com/office/powerpoint/2010/main" val="2416088581"/>
+      </p:ext>
+    </p:extLst>
+  </p:cSld>
+  <p:clrMapOvr>
+    <a:masterClrMapping/>
+  </p:clrMapOvr>
+</p:sld>
+</file>
+
 <file path=ppt/slides/slide2.xml><?xml version="1.0" encoding="utf-8"?>
 <p:sld xmlns:a="http://schemas.openxmlformats.org/drawingml/2006/main" xmlns:r="http://schemas.openxmlformats.org/officeDocument/2006/relationships" xmlns:p="http://schemas.openxmlformats.org/presentationml/2006/main">
   <p:cSld>
@@ -3982,7 +4062,7 @@
             <a:pPr algn="ctr"/>
             <a:r>
               <a:rPr lang="ru-RU" sz="3200" dirty="0" smtClean="0"/>
-              <a:t>Цели и задачи создания сайта</a:t>
+              <a:t>Распределение ролей</a:t>
             </a:r>
             <a:endParaRPr lang="ru-RU" sz="3200" dirty="0"/>
           </a:p>
@@ -4001,70 +4081,112 @@
         <p:spPr/>
         <p:txBody>
           <a:bodyPr>
-            <a:normAutofit/>
+            <a:normAutofit lnSpcReduction="10000"/>
           </a:bodyPr>
           <a:lstStyle/>
           <a:p>
-            <a:pPr marL="0" indent="0">
-              <a:buNone/>
-            </a:pPr>
-            <a:r>
-              <a:rPr lang="ru-RU" sz="2400" dirty="0" smtClean="0"/>
-              <a:t>1) Цели создания сайта</a:t>
-            </a:r>
-          </a:p>
-          <a:p>
-            <a:r>
-              <a:rPr lang="ru-RU" sz="2400" dirty="0" smtClean="0"/>
-              <a:t>Увеличение количества посетителей</a:t>
-            </a:r>
-          </a:p>
-          <a:p>
-            <a:r>
-              <a:rPr lang="ru-RU" sz="2400" dirty="0" smtClean="0"/>
-              <a:t>Уменьшение времени обслуживания клиента</a:t>
-            </a:r>
-          </a:p>
-          <a:p>
-            <a:pPr marL="0" indent="0">
-              <a:buNone/>
-            </a:pPr>
-            <a:r>
-              <a:rPr lang="ru-RU" sz="2400" dirty="0" smtClean="0"/>
-              <a:t>2) Задачи, решаемые при помощи сайта</a:t>
-            </a:r>
-          </a:p>
-          <a:p>
-            <a:r>
-              <a:rPr lang="ru-RU" sz="2400" dirty="0" smtClean="0"/>
-              <a:t>Предоставление информации об играх и программах</a:t>
-            </a:r>
-          </a:p>
-          <a:p>
-            <a:r>
-              <a:rPr lang="ru-RU" sz="2400" dirty="0" smtClean="0"/>
-              <a:t>Предоставление информации о ценах и подписках</a:t>
-            </a:r>
-          </a:p>
-          <a:p>
-            <a:r>
-              <a:rPr lang="ru-RU" sz="2400" dirty="0" smtClean="0"/>
-              <a:t>Оформление подписки</a:t>
-            </a:r>
-          </a:p>
-          <a:p>
-            <a:r>
-              <a:rPr lang="ru-RU" sz="2400" dirty="0" smtClean="0"/>
-              <a:t>Контроль занятости компьютеров</a:t>
-            </a:r>
-            <a:endParaRPr lang="ru-RU" sz="2400" dirty="0"/>
+            <a:r>
+              <a:rPr lang="ru-RU" dirty="0"/>
+              <a:t>1)Сычёв Антон</a:t>
+            </a:r>
+          </a:p>
+          <a:p>
+            <a:pPr lvl="0"/>
+            <a:r>
+              <a:rPr lang="en-US" dirty="0"/>
+              <a:t>Backend</a:t>
+            </a:r>
+            <a:endParaRPr lang="ru-RU" dirty="0"/>
+          </a:p>
+          <a:p>
+            <a:pPr lvl="0"/>
+            <a:r>
+              <a:rPr lang="ru-RU" dirty="0" smtClean="0"/>
+              <a:t>Воронки</a:t>
+            </a:r>
+            <a:endParaRPr lang="ru-RU" dirty="0"/>
+          </a:p>
+          <a:p>
+            <a:pPr lvl="0"/>
+            <a:r>
+              <a:rPr lang="ru-RU" dirty="0"/>
+              <a:t>Схема базы данных</a:t>
+            </a:r>
+          </a:p>
+          <a:p>
+            <a:pPr lvl="0"/>
+            <a:r>
+              <a:rPr lang="ru-RU" dirty="0"/>
+              <a:t>Доска на </a:t>
+            </a:r>
+            <a:r>
+              <a:rPr lang="en-US" dirty="0" err="1"/>
+              <a:t>Trello</a:t>
+            </a:r>
+            <a:endParaRPr lang="ru-RU" dirty="0"/>
+          </a:p>
+          <a:p>
+            <a:r>
+              <a:rPr lang="ru-RU" dirty="0"/>
+              <a:t>2)Сергиенко Александр</a:t>
+            </a:r>
+          </a:p>
+          <a:p>
+            <a:pPr lvl="0"/>
+            <a:r>
+              <a:rPr lang="en-US" dirty="0"/>
+              <a:t>Frontend</a:t>
+            </a:r>
+            <a:endParaRPr lang="ru-RU" dirty="0"/>
+          </a:p>
+          <a:p>
+            <a:pPr lvl="0"/>
+            <a:r>
+              <a:rPr lang="ru-RU" dirty="0" smtClean="0"/>
+              <a:t>Тесты</a:t>
+            </a:r>
+            <a:endParaRPr lang="ru-RU" dirty="0"/>
+          </a:p>
+          <a:p>
+            <a:pPr lvl="0"/>
+            <a:r>
+              <a:rPr lang="ru-RU" dirty="0"/>
+              <a:t>Доска на </a:t>
+            </a:r>
+            <a:r>
+              <a:rPr lang="en-US" dirty="0" err="1"/>
+              <a:t>Miro</a:t>
+            </a:r>
+            <a:endParaRPr lang="ru-RU" dirty="0"/>
+          </a:p>
+          <a:p>
+            <a:pPr lvl="0"/>
+            <a:r>
+              <a:rPr lang="ru-RU" dirty="0"/>
+              <a:t>Проект на </a:t>
+            </a:r>
+            <a:r>
+              <a:rPr lang="en-US" dirty="0" err="1"/>
+              <a:t>Github</a:t>
+            </a:r>
+            <a:endParaRPr lang="ru-RU" dirty="0"/>
+          </a:p>
+          <a:p>
+            <a:r>
+              <a:rPr lang="ru-RU" dirty="0" smtClean="0"/>
+              <a:t>3)</a:t>
+            </a:r>
+            <a:r>
+              <a:rPr lang="ru-RU" dirty="0"/>
+              <a:t> Диаграмму последовательности сделал Антон Сычёв, а все остальные диаграммы делали вместе.</a:t>
+            </a:r>
           </a:p>
         </p:txBody>
       </p:sp>
     </p:spTree>
     <p:extLst>
       <p:ext uri="{BB962C8B-B14F-4D97-AF65-F5344CB8AC3E}">
-        <p14:creationId xmlns:p14="http://schemas.microsoft.com/office/powerpoint/2010/main" val="3644199706"/>
+        <p14:creationId xmlns:p14="http://schemas.microsoft.com/office/powerpoint/2010/main" val="770601663"/>
       </p:ext>
     </p:extLst>
   </p:cSld>
@@ -4111,7 +4233,7 @@
             <a:pPr algn="ctr"/>
             <a:r>
               <a:rPr lang="ru-RU" sz="3200" dirty="0" smtClean="0"/>
-              <a:t>Увеличение количества посетителей</a:t>
+              <a:t>Введение</a:t>
             </a:r>
             <a:endParaRPr lang="ru-RU" sz="3200" dirty="0"/>
           </a:p>
@@ -4129,26 +4251,24 @@
         </p:nvSpPr>
         <p:spPr/>
         <p:txBody>
-          <a:bodyPr>
-            <a:normAutofit/>
-          </a:bodyPr>
+          <a:bodyPr/>
           <a:lstStyle/>
           <a:p>
             <a:pPr marL="0" indent="0">
               <a:buNone/>
             </a:pPr>
             <a:r>
-              <a:rPr lang="ru-RU" sz="2400" dirty="0" smtClean="0"/>
-              <a:t>Организация, у которой есть сайт, будет иметь больше посетителей, чем организация, у которой нет сайта. Это можно проверить, подсчитав среднее число посетителей до появления сайта и после.</a:t>
-            </a:r>
-            <a:endParaRPr lang="ru-RU" sz="2400" dirty="0"/>
+              <a:rPr lang="ru-RU" dirty="0"/>
+              <a:t>В настоящее время составляющие компьютера становятся всё дороже и дороже. В связи с этим не все могут позволить себе компьютер, удовлетворяющий их требованиям. Именно поэтому компьютерные клубы вновь начинают набирать популярность.</a:t>
+            </a:r>
+            <a:endParaRPr lang="ru-RU" dirty="0"/>
           </a:p>
         </p:txBody>
       </p:sp>
     </p:spTree>
     <p:extLst>
       <p:ext uri="{BB962C8B-B14F-4D97-AF65-F5344CB8AC3E}">
-        <p14:creationId xmlns:p14="http://schemas.microsoft.com/office/powerpoint/2010/main" val="3429023453"/>
+        <p14:creationId xmlns:p14="http://schemas.microsoft.com/office/powerpoint/2010/main" val="1574447616"/>
       </p:ext>
     </p:extLst>
   </p:cSld>
@@ -4188,14 +4308,14 @@
         <p:spPr/>
         <p:txBody>
           <a:bodyPr>
-            <a:normAutofit fontScale="90000"/>
+            <a:normAutofit/>
           </a:bodyPr>
           <a:lstStyle/>
           <a:p>
             <a:pPr algn="ctr"/>
             <a:r>
               <a:rPr lang="ru-RU" sz="3200" dirty="0" smtClean="0"/>
-              <a:t>Уменьшение времени обслуживания клиента</a:t>
+              <a:t>Цели и задачи создания сайта</a:t>
             </a:r>
             <a:endParaRPr lang="ru-RU" sz="3200" dirty="0"/>
           </a:p>
@@ -4223,55 +4343,61 @@
             </a:pPr>
             <a:r>
               <a:rPr lang="ru-RU" sz="2400" dirty="0" smtClean="0"/>
-              <a:t>Писать </a:t>
-            </a:r>
-            <a:r>
-              <a:rPr lang="ru-RU" sz="2400" dirty="0"/>
-              <a:t>в журнал дольше, чем </a:t>
-            </a:r>
+              <a:t>1) Цели создания сайта</a:t>
+            </a:r>
+          </a:p>
+          <a:p>
             <a:r>
               <a:rPr lang="ru-RU" sz="2400" dirty="0" smtClean="0"/>
-              <a:t>сделать </a:t>
-            </a:r>
-            <a:r>
-              <a:rPr lang="ru-RU" sz="2400" dirty="0"/>
-              <a:t>пару </a:t>
-            </a:r>
+              <a:t>Увеличение количества посетителей</a:t>
+            </a:r>
+          </a:p>
+          <a:p>
             <a:r>
               <a:rPr lang="ru-RU" sz="2400" dirty="0" smtClean="0"/>
-              <a:t>кликов </a:t>
-            </a:r>
-            <a:r>
-              <a:rPr lang="ru-RU" sz="2400" dirty="0"/>
-              <a:t>на сайте</a:t>
-            </a:r>
+              <a:t>Уменьшение времени обслуживания клиента</a:t>
+            </a:r>
+          </a:p>
+          <a:p>
+            <a:pPr marL="0" indent="0">
+              <a:buNone/>
+            </a:pPr>
             <a:r>
               <a:rPr lang="ru-RU" sz="2400" dirty="0" smtClean="0"/>
-              <a:t>. При измерении времени получилось, что </a:t>
-            </a:r>
-            <a:r>
-              <a:rPr lang="ru-RU" sz="2400" dirty="0"/>
-              <a:t>12 секунд </a:t>
-            </a:r>
+              <a:t>2) Задачи, решаемые при помощи сайта</a:t>
+            </a:r>
+          </a:p>
+          <a:p>
             <a:r>
               <a:rPr lang="ru-RU" sz="2400" dirty="0" smtClean="0"/>
-              <a:t>уходит на </a:t>
-            </a:r>
-            <a:r>
-              <a:rPr lang="ru-RU" sz="2400" dirty="0"/>
-              <a:t>заполнение журнала и 3 секунды на обслуживание клиента на </a:t>
-            </a:r>
+              <a:t>Предоставление информации об играх и программах</a:t>
+            </a:r>
+          </a:p>
+          <a:p>
             <a:r>
               <a:rPr lang="ru-RU" sz="2400" dirty="0" smtClean="0"/>
-              <a:t>сайте. К тому же, если записывать данные в журнал, то к концу дня в журнале будет тяжелее ориентироваться из-за множества зачёркиваний.</a:t>
-            </a:r>
+              <a:t>Предоставление информации о ценах и подписках</a:t>
+            </a:r>
+          </a:p>
+          <a:p>
+            <a:r>
+              <a:rPr lang="ru-RU" sz="2400" dirty="0" smtClean="0"/>
+              <a:t>Оформление подписки</a:t>
+            </a:r>
+          </a:p>
+          <a:p>
+            <a:r>
+              <a:rPr lang="ru-RU" sz="2400" dirty="0" smtClean="0"/>
+              <a:t>Контроль занятости компьютеров</a:t>
+            </a:r>
+            <a:endParaRPr lang="ru-RU" sz="2400" dirty="0"/>
           </a:p>
         </p:txBody>
       </p:sp>
     </p:spTree>
     <p:extLst>
       <p:ext uri="{BB962C8B-B14F-4D97-AF65-F5344CB8AC3E}">
-        <p14:creationId xmlns:p14="http://schemas.microsoft.com/office/powerpoint/2010/main" val="1695628305"/>
+        <p14:creationId xmlns:p14="http://schemas.microsoft.com/office/powerpoint/2010/main" val="3644199706"/>
       </p:ext>
     </p:extLst>
   </p:cSld>
@@ -4318,7 +4444,7 @@
             <a:pPr algn="ctr"/>
             <a:r>
               <a:rPr lang="ru-RU" sz="3200" dirty="0" smtClean="0"/>
-              <a:t>Улучшение сервиса</a:t>
+              <a:t>Модульная схема</a:t>
             </a:r>
             <a:endParaRPr lang="ru-RU" sz="3200" dirty="0"/>
           </a:p>
@@ -4336,25 +4462,20 @@
         </p:nvSpPr>
         <p:spPr/>
         <p:txBody>
-          <a:bodyPr>
-            <a:normAutofit/>
-          </a:bodyPr>
+          <a:bodyPr/>
           <a:lstStyle/>
           <a:p>
             <a:pPr marL="0" indent="0">
               <a:buNone/>
             </a:pPr>
-            <a:r>
-              <a:rPr lang="ru-RU" sz="2400" dirty="0" smtClean="0"/>
-              <a:t>Клиенту не нужно идти в компьютерный клуб, чтобы узнать необходимую ему информацию, он может посмотреть её из дома. Это позволит клиенту экономить время и силы. Также у клиента появляется больше времени на раздумья. Это увеличивает шансы на то, что клиент оплатит время или подписку в компьютерном клубе.</a:t>
-            </a:r>
+            <a:endParaRPr lang="ru-RU" dirty="0"/>
           </a:p>
         </p:txBody>
       </p:sp>
     </p:spTree>
     <p:extLst>
       <p:ext uri="{BB962C8B-B14F-4D97-AF65-F5344CB8AC3E}">
-        <p14:creationId xmlns:p14="http://schemas.microsoft.com/office/powerpoint/2010/main" val="1827208628"/>
+        <p14:creationId xmlns:p14="http://schemas.microsoft.com/office/powerpoint/2010/main" val="980957548"/>
       </p:ext>
     </p:extLst>
   </p:cSld>
@@ -4401,7 +4522,7 @@
             <a:pPr algn="ctr"/>
             <a:r>
               <a:rPr lang="ru-RU" sz="3200" dirty="0" smtClean="0"/>
-              <a:t>Воронки</a:t>
+              <a:t>Анализ предметной области</a:t>
             </a:r>
             <a:endParaRPr lang="ru-RU" sz="3200" dirty="0"/>
           </a:p>
@@ -4417,56 +4538,190 @@
             <p:ph idx="1"/>
           </p:nvPr>
         </p:nvSpPr>
-        <p:spPr>
-          <a:xfrm>
-            <a:off x="457200" y="3573016"/>
-            <a:ext cx="8229600" cy="2553147"/>
-          </a:xfrm>
-        </p:spPr>
+        <p:spPr/>
+        <p:txBody>
+          <a:bodyPr/>
+          <a:lstStyle/>
+          <a:p>
+            <a:pPr marL="0" indent="0">
+              <a:buNone/>
+            </a:pPr>
+            <a:r>
+              <a:rPr lang="en-US" dirty="0" smtClean="0"/>
+              <a:t>Frontend </a:t>
+            </a:r>
+            <a:r>
+              <a:rPr lang="ru-RU" dirty="0" smtClean="0"/>
+              <a:t>написан на языках </a:t>
+            </a:r>
+            <a:r>
+              <a:rPr lang="en-US" dirty="0" smtClean="0"/>
+              <a:t>HTML</a:t>
+            </a:r>
+            <a:r>
+              <a:rPr lang="ru-RU" dirty="0" smtClean="0"/>
+              <a:t> и </a:t>
+            </a:r>
+            <a:r>
+              <a:rPr lang="en-US" dirty="0" smtClean="0"/>
+              <a:t>CSS</a:t>
+            </a:r>
+            <a:r>
+              <a:rPr lang="ru-RU" dirty="0" smtClean="0"/>
+              <a:t>, так как данный сайт является небольшим и все его страницы статические.</a:t>
+            </a:r>
+          </a:p>
+          <a:p>
+            <a:pPr marL="0" indent="0">
+              <a:buNone/>
+            </a:pPr>
+            <a:r>
+              <a:rPr lang="en-US" dirty="0" smtClean="0"/>
+              <a:t>Backend </a:t>
+            </a:r>
+            <a:r>
+              <a:rPr lang="ru-RU" dirty="0" smtClean="0"/>
+              <a:t>написан на языке программирования </a:t>
+            </a:r>
+            <a:r>
+              <a:rPr lang="en-US" dirty="0" smtClean="0"/>
+              <a:t>PHP</a:t>
+            </a:r>
+            <a:r>
+              <a:rPr lang="ru-RU" dirty="0" smtClean="0"/>
+              <a:t>, потому что данный язык </a:t>
+            </a:r>
+            <a:r>
+              <a:rPr lang="ru-RU" smtClean="0"/>
+              <a:t>программирования является </a:t>
+            </a:r>
+            <a:endParaRPr lang="en-US" dirty="0" smtClean="0"/>
+          </a:p>
+          <a:p>
+            <a:pPr marL="0" indent="0">
+              <a:buNone/>
+            </a:pPr>
+            <a:r>
+              <a:rPr lang="ru-RU" dirty="0" smtClean="0"/>
+              <a:t>Для написания </a:t>
+            </a:r>
+            <a:endParaRPr lang="ru-RU" dirty="0"/>
+          </a:p>
+        </p:txBody>
+      </p:sp>
+    </p:spTree>
+    <p:extLst>
+      <p:ext uri="{BB962C8B-B14F-4D97-AF65-F5344CB8AC3E}">
+        <p14:creationId xmlns:p14="http://schemas.microsoft.com/office/powerpoint/2010/main" val="3609544896"/>
+      </p:ext>
+    </p:extLst>
+  </p:cSld>
+  <p:clrMapOvr>
+    <a:masterClrMapping/>
+  </p:clrMapOvr>
+  <p:timing>
+    <p:tnLst>
+      <p:par>
+        <p:cTn id="1" dur="indefinite" restart="never" nodeType="tmRoot"/>
+      </p:par>
+    </p:tnLst>
+  </p:timing>
+</p:sld>
+</file>
+
+<file path=ppt/slides/slide7.xml><?xml version="1.0" encoding="utf-8"?>
+<p:sld xmlns:a="http://schemas.openxmlformats.org/drawingml/2006/main" xmlns:r="http://schemas.openxmlformats.org/officeDocument/2006/relationships" xmlns:p="http://schemas.openxmlformats.org/presentationml/2006/main">
+  <p:cSld>
+    <p:spTree>
+      <p:nvGrpSpPr>
+        <p:cNvPr id="1" name=""/>
+        <p:cNvGrpSpPr/>
+        <p:nvPr/>
+      </p:nvGrpSpPr>
+      <p:grpSpPr>
+        <a:xfrm>
+          <a:off x="0" y="0"/>
+          <a:ext cx="0" cy="0"/>
+          <a:chOff x="0" y="0"/>
+          <a:chExt cx="0" cy="0"/>
+        </a:xfrm>
+      </p:grpSpPr>
+      <p:sp>
+        <p:nvSpPr>
+          <p:cNvPr id="2" name="Заголовок 1"/>
+          <p:cNvSpPr>
+            <a:spLocks noGrp="1"/>
+          </p:cNvSpPr>
+          <p:nvPr>
+            <p:ph type="title"/>
+          </p:nvPr>
+        </p:nvSpPr>
+        <p:spPr/>
         <p:txBody>
           <a:bodyPr>
             <a:normAutofit/>
           </a:bodyPr>
           <a:lstStyle/>
           <a:p>
+            <a:pPr algn="ctr"/>
+            <a:r>
+              <a:rPr lang="ru-RU" sz="3200" dirty="0" smtClean="0"/>
+              <a:t>Нагрузочное тестирование</a:t>
+            </a:r>
+            <a:endParaRPr lang="ru-RU" sz="3200" dirty="0"/>
+          </a:p>
+        </p:txBody>
+      </p:sp>
+      <p:sp>
+        <p:nvSpPr>
+          <p:cNvPr id="3" name="Объект 2"/>
+          <p:cNvSpPr>
+            <a:spLocks noGrp="1"/>
+          </p:cNvSpPr>
+          <p:nvPr>
+            <p:ph idx="1"/>
+          </p:nvPr>
+        </p:nvSpPr>
+        <p:spPr>
+          <a:xfrm>
+            <a:off x="457200" y="3717032"/>
+            <a:ext cx="8229600" cy="2759968"/>
+          </a:xfrm>
+        </p:spPr>
+        <p:txBody>
+          <a:bodyPr/>
+          <a:lstStyle/>
+          <a:p>
             <a:pPr marL="0" indent="0">
               <a:buNone/>
             </a:pPr>
             <a:r>
-              <a:rPr lang="ru-RU" sz="2400" dirty="0" smtClean="0"/>
-              <a:t>Данные воронки ведут подсчёт количества посещений сайта, его просмотров </a:t>
-            </a:r>
-            <a:r>
-              <a:rPr lang="ru-RU" sz="2400" smtClean="0"/>
-              <a:t>и нажатий </a:t>
-            </a:r>
-            <a:r>
-              <a:rPr lang="ru-RU" sz="2400" dirty="0" smtClean="0"/>
-              <a:t>кнопки </a:t>
-            </a:r>
-            <a:r>
-              <a:rPr lang="en-US" sz="2400" dirty="0" smtClean="0"/>
+              <a:rPr lang="ru-RU" dirty="0" smtClean="0"/>
+              <a:t>В ходе нагрузочного тестирования веб-приложения, было выявлено, что оно не </a:t>
+            </a:r>
+            <a:r>
+              <a:rPr lang="en-US" dirty="0" smtClean="0"/>
               <a:t>“</a:t>
             </a:r>
             <a:r>
-              <a:rPr lang="ru-RU" sz="2400" dirty="0" smtClean="0"/>
-              <a:t>Оформить подписку</a:t>
-            </a:r>
-            <a:r>
-              <a:rPr lang="en-US" sz="2400" dirty="0" smtClean="0"/>
+              <a:rPr lang="ru-RU" dirty="0" smtClean="0"/>
+              <a:t>упадет</a:t>
+            </a:r>
+            <a:r>
+              <a:rPr lang="en-US" dirty="0" smtClean="0"/>
               <a:t>”</a:t>
             </a:r>
             <a:r>
-              <a:rPr lang="ru-RU" sz="2400" dirty="0" smtClean="0"/>
-              <a:t>.</a:t>
-            </a:r>
-            <a:endParaRPr lang="ru-RU" sz="2400" dirty="0"/>
+              <a:rPr lang="ru-RU" dirty="0" smtClean="0"/>
+              <a:t> при одновременном нахождении на нем 10 пользователей.</a:t>
+            </a:r>
+            <a:endParaRPr lang="ru-RU" dirty="0"/>
           </a:p>
         </p:txBody>
       </p:sp>
       <p:pic>
         <p:nvPicPr>
-          <p:cNvPr id="1027" name="Picture 3" descr="C:\Users\User\Pictures\Screenshots\Снимок экрана (14).png"/>
+          <p:cNvPr id="1026" name="Picture 2" descr="E:\Документы\ТП\Тесты\Нагрузочный тест.png"/>
           <p:cNvPicPr>
             <a:picLocks noChangeAspect="1" noChangeArrowheads="1"/>
           </p:cNvPicPr>
@@ -4487,49 +4742,8 @@
         </p:blipFill>
         <p:spPr bwMode="auto">
           <a:xfrm>
-            <a:off x="131763" y="1412776"/>
-            <a:ext cx="8878887" cy="1038225"/>
-          </a:xfrm>
-          <a:prstGeom prst="rect">
-            <a:avLst/>
-          </a:prstGeom>
-          <a:noFill/>
-          <a:extLst>
-            <a:ext uri="{909E8E84-426E-40DD-AFC4-6F175D3DCCD1}">
-              <a14:hiddenFill xmlns:a14="http://schemas.microsoft.com/office/drawing/2010/main">
-                <a:solidFill>
-                  <a:srgbClr val="FFFFFF"/>
-                </a:solidFill>
-              </a14:hiddenFill>
-            </a:ext>
-          </a:extLst>
-        </p:spPr>
-      </p:pic>
-      <p:pic>
-        <p:nvPicPr>
-          <p:cNvPr id="1026" name="Picture 2" descr="C:\Users\User\Downloads\oyjkAXtewHM.jpg"/>
-          <p:cNvPicPr>
-            <a:picLocks noChangeAspect="1" noChangeArrowheads="1"/>
-          </p:cNvPicPr>
-          <p:nvPr/>
-        </p:nvPicPr>
-        <p:blipFill>
-          <a:blip r:embed="rId3">
-            <a:extLst>
-              <a:ext uri="{28A0092B-C50C-407E-A947-70E740481C1C}">
-                <a14:useLocalDpi xmlns:a14="http://schemas.microsoft.com/office/drawing/2010/main" val="0"/>
-              </a:ext>
-            </a:extLst>
-          </a:blip>
-          <a:srcRect/>
-          <a:stretch>
-            <a:fillRect/>
-          </a:stretch>
-        </p:blipFill>
-        <p:spPr bwMode="auto">
-          <a:xfrm>
-            <a:off x="119305" y="2451001"/>
-            <a:ext cx="9009063" cy="973137"/>
+            <a:off x="467544" y="1340768"/>
+            <a:ext cx="7717988" cy="2336684"/>
           </a:xfrm>
           <a:prstGeom prst="rect">
             <a:avLst/>
@@ -4549,7 +4763,7 @@
     </p:spTree>
     <p:extLst>
       <p:ext uri="{BB962C8B-B14F-4D97-AF65-F5344CB8AC3E}">
-        <p14:creationId xmlns:p14="http://schemas.microsoft.com/office/powerpoint/2010/main" val="3619882052"/>
+        <p14:creationId xmlns:p14="http://schemas.microsoft.com/office/powerpoint/2010/main" val="2122562575"/>
       </p:ext>
     </p:extLst>
   </p:cSld>
@@ -4559,7 +4773,7 @@
 </p:sld>
 </file>
 
-<file path=ppt/slides/slide7.xml><?xml version="1.0" encoding="utf-8"?>
+<file path=ppt/slides/slide8.xml><?xml version="1.0" encoding="utf-8"?>
 <p:sld xmlns:a="http://schemas.openxmlformats.org/drawingml/2006/main" xmlns:r="http://schemas.openxmlformats.org/officeDocument/2006/relationships" xmlns:p="http://schemas.openxmlformats.org/presentationml/2006/main">
   <p:cSld>
     <p:spTree>
@@ -4586,12 +4800,7 @@
             <p:ph type="title"/>
           </p:nvPr>
         </p:nvSpPr>
-        <p:spPr>
-          <a:xfrm>
-            <a:off x="395536" y="2636912"/>
-            <a:ext cx="8229600" cy="1143000"/>
-          </a:xfrm>
-        </p:spPr>
+        <p:spPr/>
         <p:txBody>
           <a:bodyPr>
             <a:normAutofit/>
@@ -4601,16 +4810,210 @@
             <a:pPr algn="ctr"/>
             <a:r>
               <a:rPr lang="ru-RU" sz="3200" dirty="0" smtClean="0"/>
-              <a:t>Спасибо за внимание</a:t>
+              <a:t>Тест совместимости</a:t>
             </a:r>
             <a:endParaRPr lang="ru-RU" sz="3200" dirty="0"/>
+          </a:p>
+        </p:txBody>
+      </p:sp>
+      <p:sp>
+        <p:nvSpPr>
+          <p:cNvPr id="3" name="Объект 2"/>
+          <p:cNvSpPr>
+            <a:spLocks noGrp="1"/>
+          </p:cNvSpPr>
+          <p:nvPr>
+            <p:ph idx="1"/>
+          </p:nvPr>
+        </p:nvSpPr>
+        <p:spPr/>
+        <p:txBody>
+          <a:bodyPr/>
+          <a:lstStyle/>
+          <a:p>
+            <a:pPr marL="0" indent="0">
+              <a:buNone/>
+            </a:pPr>
+            <a:r>
+              <a:rPr lang="ru-RU" dirty="0"/>
+              <a:t>В ходе тестирования веб-приложения на совместимость было определено, что оно работает в операционных системах </a:t>
+            </a:r>
+            <a:r>
+              <a:rPr lang="en-US" dirty="0"/>
+              <a:t>Windows</a:t>
+            </a:r>
+            <a:r>
+              <a:rPr lang="ru-RU" dirty="0"/>
+              <a:t> 7 и </a:t>
+            </a:r>
+            <a:r>
+              <a:rPr lang="en-US" dirty="0"/>
+              <a:t>Windows</a:t>
+            </a:r>
+            <a:r>
+              <a:rPr lang="ru-RU" dirty="0"/>
+              <a:t> 10 в браузерах: </a:t>
+            </a:r>
+            <a:r>
+              <a:rPr lang="en-US" dirty="0"/>
+              <a:t>Google Chrome</a:t>
+            </a:r>
+            <a:r>
+              <a:rPr lang="ru-RU" dirty="0"/>
+              <a:t>, </a:t>
+            </a:r>
+            <a:r>
+              <a:rPr lang="en-US" dirty="0"/>
+              <a:t>Opera</a:t>
+            </a:r>
+            <a:r>
+              <a:rPr lang="ru-RU" dirty="0"/>
+              <a:t>, </a:t>
+            </a:r>
+            <a:r>
+              <a:rPr lang="en-US" dirty="0"/>
+              <a:t>Mozilla Firefox</a:t>
+            </a:r>
+            <a:r>
+              <a:rPr lang="ru-RU" dirty="0"/>
+              <a:t>, </a:t>
+            </a:r>
+            <a:r>
+              <a:rPr lang="en-US" dirty="0"/>
+              <a:t>Microsoft Edge</a:t>
+            </a:r>
+            <a:r>
+              <a:rPr lang="ru-RU" dirty="0"/>
+              <a:t>, </a:t>
+            </a:r>
+            <a:r>
+              <a:rPr lang="en-US" dirty="0"/>
+              <a:t>Internet Explorer</a:t>
+            </a:r>
+            <a:r>
+              <a:rPr lang="ru-RU" dirty="0"/>
+              <a:t>. Также веб-приложение работает на платформе </a:t>
+            </a:r>
+            <a:r>
+              <a:rPr lang="en-US" dirty="0"/>
+              <a:t>Android</a:t>
+            </a:r>
+            <a:r>
+              <a:rPr lang="ru-RU" dirty="0"/>
+              <a:t>.</a:t>
+            </a:r>
+          </a:p>
+          <a:p>
+            <a:pPr marL="0" indent="0">
+              <a:buNone/>
+            </a:pPr>
+            <a:endParaRPr lang="ru-RU" dirty="0"/>
           </a:p>
         </p:txBody>
       </p:sp>
     </p:spTree>
     <p:extLst>
       <p:ext uri="{BB962C8B-B14F-4D97-AF65-F5344CB8AC3E}">
-        <p14:creationId xmlns:p14="http://schemas.microsoft.com/office/powerpoint/2010/main" val="2416088581"/>
+        <p14:creationId xmlns:p14="http://schemas.microsoft.com/office/powerpoint/2010/main" val="1990809247"/>
+      </p:ext>
+    </p:extLst>
+  </p:cSld>
+  <p:clrMapOvr>
+    <a:masterClrMapping/>
+  </p:clrMapOvr>
+</p:sld>
+</file>
+
+<file path=ppt/slides/slide9.xml><?xml version="1.0" encoding="utf-8"?>
+<p:sld xmlns:a="http://schemas.openxmlformats.org/drawingml/2006/main" xmlns:r="http://schemas.openxmlformats.org/officeDocument/2006/relationships" xmlns:p="http://schemas.openxmlformats.org/presentationml/2006/main">
+  <p:cSld>
+    <p:spTree>
+      <p:nvGrpSpPr>
+        <p:cNvPr id="1" name=""/>
+        <p:cNvGrpSpPr/>
+        <p:nvPr/>
+      </p:nvGrpSpPr>
+      <p:grpSpPr>
+        <a:xfrm>
+          <a:off x="0" y="0"/>
+          <a:ext cx="0" cy="0"/>
+          <a:chOff x="0" y="0"/>
+          <a:chExt cx="0" cy="0"/>
+        </a:xfrm>
+      </p:grpSpPr>
+      <p:sp>
+        <p:nvSpPr>
+          <p:cNvPr id="2" name="Заголовок 1"/>
+          <p:cNvSpPr>
+            <a:spLocks noGrp="1"/>
+          </p:cNvSpPr>
+          <p:nvPr>
+            <p:ph type="title"/>
+          </p:nvPr>
+        </p:nvSpPr>
+        <p:spPr/>
+        <p:txBody>
+          <a:bodyPr>
+            <a:normAutofit/>
+          </a:bodyPr>
+          <a:lstStyle/>
+          <a:p>
+            <a:pPr algn="ctr"/>
+            <a:r>
+              <a:rPr lang="ru-RU" sz="3200" dirty="0" smtClean="0"/>
+              <a:t>Клиентская версия</a:t>
+            </a:r>
+            <a:endParaRPr lang="ru-RU" sz="3200" dirty="0"/>
+          </a:p>
+        </p:txBody>
+      </p:sp>
+      <p:pic>
+        <p:nvPicPr>
+          <p:cNvPr id="2050" name="Picture 2" descr="C:\Users\User\Pictures\Screenshots\Снимок экрана (19).png"/>
+          <p:cNvPicPr>
+            <a:picLocks noGrp="1" noChangeAspect="1" noChangeArrowheads="1"/>
+          </p:cNvPicPr>
+          <p:nvPr>
+            <p:ph idx="1"/>
+          </p:nvPr>
+        </p:nvPicPr>
+        <p:blipFill>
+          <a:blip r:embed="rId2">
+            <a:extLst>
+              <a:ext uri="{28A0092B-C50C-407E-A947-70E740481C1C}">
+                <a14:useLocalDpi xmlns:a14="http://schemas.microsoft.com/office/drawing/2010/main" val="0"/>
+              </a:ext>
+            </a:extLst>
+          </a:blip>
+          <a:srcRect/>
+          <a:stretch>
+            <a:fillRect/>
+          </a:stretch>
+        </p:blipFill>
+        <p:spPr bwMode="auto">
+          <a:xfrm>
+            <a:off x="457200" y="2051314"/>
+            <a:ext cx="8229600" cy="3974572"/>
+          </a:xfrm>
+          <a:prstGeom prst="rect">
+            <a:avLst/>
+          </a:prstGeom>
+          <a:noFill/>
+          <a:extLst>
+            <a:ext uri="{909E8E84-426E-40DD-AFC4-6F175D3DCCD1}">
+              <a14:hiddenFill xmlns:a14="http://schemas.microsoft.com/office/drawing/2010/main">
+                <a:solidFill>
+                  <a:srgbClr val="FFFFFF"/>
+                </a:solidFill>
+              </a14:hiddenFill>
+            </a:ext>
+          </a:extLst>
+        </p:spPr>
+      </p:pic>
+    </p:spTree>
+    <p:extLst>
+      <p:ext uri="{BB962C8B-B14F-4D97-AF65-F5344CB8AC3E}">
+        <p14:creationId xmlns:p14="http://schemas.microsoft.com/office/powerpoint/2010/main" val="1640553191"/>
       </p:ext>
     </p:extLst>
   </p:cSld>

--- a/Документы/Презентация.pptx
+++ b/Документы/Презентация.pptx
@@ -5,7 +5,7 @@
     <p:sldMasterId id="2147483672" r:id="rId1"/>
   </p:sldMasterIdLst>
   <p:notesMasterIdLst>
-    <p:notesMasterId r:id="rId13"/>
+    <p:notesMasterId r:id="rId16"/>
   </p:notesMasterIdLst>
   <p:sldIdLst>
     <p:sldId id="256" r:id="rId2"/>
@@ -13,12 +13,15 @@
     <p:sldId id="267" r:id="rId4"/>
     <p:sldId id="257" r:id="rId5"/>
     <p:sldId id="268" r:id="rId6"/>
-    <p:sldId id="269" r:id="rId7"/>
-    <p:sldId id="270" r:id="rId8"/>
-    <p:sldId id="271" r:id="rId9"/>
-    <p:sldId id="272" r:id="rId10"/>
-    <p:sldId id="273" r:id="rId11"/>
-    <p:sldId id="259" r:id="rId12"/>
+    <p:sldId id="276" r:id="rId7"/>
+    <p:sldId id="269" r:id="rId8"/>
+    <p:sldId id="274" r:id="rId9"/>
+    <p:sldId id="275" r:id="rId10"/>
+    <p:sldId id="270" r:id="rId11"/>
+    <p:sldId id="271" r:id="rId12"/>
+    <p:sldId id="272" r:id="rId13"/>
+    <p:sldId id="273" r:id="rId14"/>
+    <p:sldId id="259" r:id="rId15"/>
   </p:sldIdLst>
   <p:sldSz cx="9144000" cy="6858000" type="screen4x3"/>
   <p:notesSz cx="6858000" cy="9144000"/>
@@ -202,7 +205,7 @@
           <a:p>
             <a:fld id="{F093CD18-CFD5-434E-8961-08813ED63F6C}" type="datetimeFigureOut">
               <a:rPr lang="ru-RU" smtClean="0"/>
-              <a:t>10.06.2020</a:t>
+              <a:t>11.06.2020</a:t>
             </a:fld>
             <a:endParaRPr lang="ru-RU"/>
           </a:p>
@@ -658,7 +661,7 @@
           <a:p>
             <a:fld id="{7E19A367-DE64-4292-AB75-63219D93CBF2}" type="datetimeFigureOut">
               <a:rPr lang="ru-RU" smtClean="0"/>
-              <a:t>10.06.2020</a:t>
+              <a:t>11.06.2020</a:t>
             </a:fld>
             <a:endParaRPr lang="ru-RU"/>
           </a:p>
@@ -858,7 +861,7 @@
           <a:p>
             <a:fld id="{7E19A367-DE64-4292-AB75-63219D93CBF2}" type="datetimeFigureOut">
               <a:rPr lang="ru-RU" smtClean="0"/>
-              <a:t>10.06.2020</a:t>
+              <a:t>11.06.2020</a:t>
             </a:fld>
             <a:endParaRPr lang="ru-RU"/>
           </a:p>
@@ -1033,7 +1036,7 @@
           <a:p>
             <a:fld id="{7E19A367-DE64-4292-AB75-63219D93CBF2}" type="datetimeFigureOut">
               <a:rPr lang="ru-RU" smtClean="0"/>
-              <a:t>10.06.2020</a:t>
+              <a:t>11.06.2020</a:t>
             </a:fld>
             <a:endParaRPr lang="ru-RU"/>
           </a:p>
@@ -1198,7 +1201,7 @@
           <a:p>
             <a:fld id="{7E19A367-DE64-4292-AB75-63219D93CBF2}" type="datetimeFigureOut">
               <a:rPr lang="ru-RU" smtClean="0"/>
-              <a:t>10.06.2020</a:t>
+              <a:t>11.06.2020</a:t>
             </a:fld>
             <a:endParaRPr lang="ru-RU"/>
           </a:p>
@@ -1446,7 +1449,7 @@
           <a:p>
             <a:fld id="{7E19A367-DE64-4292-AB75-63219D93CBF2}" type="datetimeFigureOut">
               <a:rPr lang="ru-RU" smtClean="0"/>
-              <a:t>10.06.2020</a:t>
+              <a:t>11.06.2020</a:t>
             </a:fld>
             <a:endParaRPr lang="ru-RU"/>
           </a:p>
@@ -1764,7 +1767,7 @@
           <a:p>
             <a:fld id="{7E19A367-DE64-4292-AB75-63219D93CBF2}" type="datetimeFigureOut">
               <a:rPr lang="ru-RU" smtClean="0"/>
-              <a:t>10.06.2020</a:t>
+              <a:t>11.06.2020</a:t>
             </a:fld>
             <a:endParaRPr lang="ru-RU"/>
           </a:p>
@@ -2230,7 +2233,7 @@
           <a:p>
             <a:fld id="{7E19A367-DE64-4292-AB75-63219D93CBF2}" type="datetimeFigureOut">
               <a:rPr lang="ru-RU" smtClean="0"/>
-              <a:t>10.06.2020</a:t>
+              <a:t>11.06.2020</a:t>
             </a:fld>
             <a:endParaRPr lang="ru-RU"/>
           </a:p>
@@ -2378,7 +2381,7 @@
           <a:p>
             <a:fld id="{7E19A367-DE64-4292-AB75-63219D93CBF2}" type="datetimeFigureOut">
               <a:rPr lang="ru-RU" smtClean="0"/>
-              <a:t>10.06.2020</a:t>
+              <a:t>11.06.2020</a:t>
             </a:fld>
             <a:endParaRPr lang="ru-RU"/>
           </a:p>
@@ -2468,7 +2471,7 @@
           <a:p>
             <a:fld id="{7E19A367-DE64-4292-AB75-63219D93CBF2}" type="datetimeFigureOut">
               <a:rPr lang="ru-RU" smtClean="0"/>
-              <a:t>10.06.2020</a:t>
+              <a:t>11.06.2020</a:t>
             </a:fld>
             <a:endParaRPr lang="ru-RU"/>
           </a:p>
@@ -2742,7 +2745,7 @@
           <a:p>
             <a:fld id="{7E19A367-DE64-4292-AB75-63219D93CBF2}" type="datetimeFigureOut">
               <a:rPr lang="ru-RU" smtClean="0"/>
-              <a:t>10.06.2020</a:t>
+              <a:t>11.06.2020</a:t>
             </a:fld>
             <a:endParaRPr lang="ru-RU"/>
           </a:p>
@@ -3047,7 +3050,7 @@
           <a:p>
             <a:fld id="{7E19A367-DE64-4292-AB75-63219D93CBF2}" type="datetimeFigureOut">
               <a:rPr lang="ru-RU" smtClean="0"/>
-              <a:t>10.06.2020</a:t>
+              <a:t>11.06.2020</a:t>
             </a:fld>
             <a:endParaRPr lang="ru-RU"/>
           </a:p>
@@ -3345,7 +3348,7 @@
           <a:p>
             <a:fld id="{7E19A367-DE64-4292-AB75-63219D93CBF2}" type="datetimeFigureOut">
               <a:rPr lang="ru-RU" smtClean="0"/>
-              <a:t>10.06.2020</a:t>
+              <a:t>11.06.2020</a:t>
             </a:fld>
             <a:endParaRPr lang="ru-RU"/>
           </a:p>
@@ -3761,7 +3764,7 @@
           <a:p>
             <a:pPr algn="ctr"/>
             <a:r>
-              <a:rPr lang="ru-RU" sz="3200" smtClean="0"/>
+              <a:rPr lang="ru-RU" sz="3200" dirty="0" smtClean="0"/>
               <a:t>ПРОЕКТ </a:t>
             </a:r>
             <a:r>
@@ -3866,770 +3869,6 @@
 </file>
 
 <file path=ppt/slides/slide10.xml><?xml version="1.0" encoding="utf-8"?>
-<p:sld xmlns:a="http://schemas.openxmlformats.org/drawingml/2006/main" xmlns:r="http://schemas.openxmlformats.org/officeDocument/2006/relationships" xmlns:p="http://schemas.openxmlformats.org/presentationml/2006/main">
-  <p:cSld>
-    <p:spTree>
-      <p:nvGrpSpPr>
-        <p:cNvPr id="1" name=""/>
-        <p:cNvGrpSpPr/>
-        <p:nvPr/>
-      </p:nvGrpSpPr>
-      <p:grpSpPr>
-        <a:xfrm>
-          <a:off x="0" y="0"/>
-          <a:ext cx="0" cy="0"/>
-          <a:chOff x="0" y="0"/>
-          <a:chExt cx="0" cy="0"/>
-        </a:xfrm>
-      </p:grpSpPr>
-      <p:sp>
-        <p:nvSpPr>
-          <p:cNvPr id="2" name="Заголовок 1"/>
-          <p:cNvSpPr>
-            <a:spLocks noGrp="1"/>
-          </p:cNvSpPr>
-          <p:nvPr>
-            <p:ph type="title"/>
-          </p:nvPr>
-        </p:nvSpPr>
-        <p:spPr/>
-        <p:txBody>
-          <a:bodyPr>
-            <a:normAutofit/>
-          </a:bodyPr>
-          <a:lstStyle/>
-          <a:p>
-            <a:pPr algn="ctr"/>
-            <a:r>
-              <a:rPr lang="ru-RU" sz="3200" dirty="0" smtClean="0"/>
-              <a:t>Администраторская версия</a:t>
-            </a:r>
-            <a:endParaRPr lang="ru-RU" sz="3200" dirty="0"/>
-          </a:p>
-        </p:txBody>
-      </p:sp>
-      <p:pic>
-        <p:nvPicPr>
-          <p:cNvPr id="3074" name="Picture 2" descr="C:\Users\User\Pictures\Screenshots\Снимок экрана (18).png"/>
-          <p:cNvPicPr>
-            <a:picLocks noGrp="1" noChangeAspect="1" noChangeArrowheads="1"/>
-          </p:cNvPicPr>
-          <p:nvPr>
-            <p:ph idx="1"/>
-          </p:nvPr>
-        </p:nvPicPr>
-        <p:blipFill>
-          <a:blip r:embed="rId2">
-            <a:extLst>
-              <a:ext uri="{28A0092B-C50C-407E-A947-70E740481C1C}">
-                <a14:useLocalDpi xmlns:a14="http://schemas.microsoft.com/office/drawing/2010/main" val="0"/>
-              </a:ext>
-            </a:extLst>
-          </a:blip>
-          <a:srcRect/>
-          <a:stretch>
-            <a:fillRect/>
-          </a:stretch>
-        </p:blipFill>
-        <p:spPr bwMode="auto">
-          <a:xfrm>
-            <a:off x="457200" y="1891367"/>
-            <a:ext cx="8229600" cy="4294466"/>
-          </a:xfrm>
-          <a:prstGeom prst="rect">
-            <a:avLst/>
-          </a:prstGeom>
-          <a:noFill/>
-          <a:extLst>
-            <a:ext uri="{909E8E84-426E-40DD-AFC4-6F175D3DCCD1}">
-              <a14:hiddenFill xmlns:a14="http://schemas.microsoft.com/office/drawing/2010/main">
-                <a:solidFill>
-                  <a:srgbClr val="FFFFFF"/>
-                </a:solidFill>
-              </a14:hiddenFill>
-            </a:ext>
-          </a:extLst>
-        </p:spPr>
-      </p:pic>
-    </p:spTree>
-    <p:extLst>
-      <p:ext uri="{BB962C8B-B14F-4D97-AF65-F5344CB8AC3E}">
-        <p14:creationId xmlns:p14="http://schemas.microsoft.com/office/powerpoint/2010/main" val="1388560511"/>
-      </p:ext>
-    </p:extLst>
-  </p:cSld>
-  <p:clrMapOvr>
-    <a:masterClrMapping/>
-  </p:clrMapOvr>
-</p:sld>
-</file>
-
-<file path=ppt/slides/slide11.xml><?xml version="1.0" encoding="utf-8"?>
-<p:sld xmlns:a="http://schemas.openxmlformats.org/drawingml/2006/main" xmlns:r="http://schemas.openxmlformats.org/officeDocument/2006/relationships" xmlns:p="http://schemas.openxmlformats.org/presentationml/2006/main">
-  <p:cSld>
-    <p:spTree>
-      <p:nvGrpSpPr>
-        <p:cNvPr id="1" name=""/>
-        <p:cNvGrpSpPr/>
-        <p:nvPr/>
-      </p:nvGrpSpPr>
-      <p:grpSpPr>
-        <a:xfrm>
-          <a:off x="0" y="0"/>
-          <a:ext cx="0" cy="0"/>
-          <a:chOff x="0" y="0"/>
-          <a:chExt cx="0" cy="0"/>
-        </a:xfrm>
-      </p:grpSpPr>
-      <p:sp>
-        <p:nvSpPr>
-          <p:cNvPr id="2" name="Заголовок 1"/>
-          <p:cNvSpPr>
-            <a:spLocks noGrp="1"/>
-          </p:cNvSpPr>
-          <p:nvPr>
-            <p:ph type="title"/>
-          </p:nvPr>
-        </p:nvSpPr>
-        <p:spPr>
-          <a:xfrm>
-            <a:off x="395536" y="2636912"/>
-            <a:ext cx="8229600" cy="1143000"/>
-          </a:xfrm>
-        </p:spPr>
-        <p:txBody>
-          <a:bodyPr>
-            <a:normAutofit/>
-          </a:bodyPr>
-          <a:lstStyle/>
-          <a:p>
-            <a:pPr algn="ctr"/>
-            <a:r>
-              <a:rPr lang="ru-RU" sz="3200" dirty="0" smtClean="0"/>
-              <a:t>Спасибо за внимание</a:t>
-            </a:r>
-            <a:endParaRPr lang="ru-RU" sz="3200" dirty="0"/>
-          </a:p>
-        </p:txBody>
-      </p:sp>
-    </p:spTree>
-    <p:extLst>
-      <p:ext uri="{BB962C8B-B14F-4D97-AF65-F5344CB8AC3E}">
-        <p14:creationId xmlns:p14="http://schemas.microsoft.com/office/powerpoint/2010/main" val="2416088581"/>
-      </p:ext>
-    </p:extLst>
-  </p:cSld>
-  <p:clrMapOvr>
-    <a:masterClrMapping/>
-  </p:clrMapOvr>
-</p:sld>
-</file>
-
-<file path=ppt/slides/slide2.xml><?xml version="1.0" encoding="utf-8"?>
-<p:sld xmlns:a="http://schemas.openxmlformats.org/drawingml/2006/main" xmlns:r="http://schemas.openxmlformats.org/officeDocument/2006/relationships" xmlns:p="http://schemas.openxmlformats.org/presentationml/2006/main">
-  <p:cSld>
-    <p:spTree>
-      <p:nvGrpSpPr>
-        <p:cNvPr id="1" name=""/>
-        <p:cNvGrpSpPr/>
-        <p:nvPr/>
-      </p:nvGrpSpPr>
-      <p:grpSpPr>
-        <a:xfrm>
-          <a:off x="0" y="0"/>
-          <a:ext cx="0" cy="0"/>
-          <a:chOff x="0" y="0"/>
-          <a:chExt cx="0" cy="0"/>
-        </a:xfrm>
-      </p:grpSpPr>
-      <p:sp>
-        <p:nvSpPr>
-          <p:cNvPr id="2" name="Заголовок 1"/>
-          <p:cNvSpPr>
-            <a:spLocks noGrp="1"/>
-          </p:cNvSpPr>
-          <p:nvPr>
-            <p:ph type="title"/>
-          </p:nvPr>
-        </p:nvSpPr>
-        <p:spPr/>
-        <p:txBody>
-          <a:bodyPr>
-            <a:normAutofit/>
-          </a:bodyPr>
-          <a:lstStyle/>
-          <a:p>
-            <a:pPr algn="ctr"/>
-            <a:r>
-              <a:rPr lang="ru-RU" sz="3200" dirty="0" smtClean="0"/>
-              <a:t>Распределение ролей</a:t>
-            </a:r>
-            <a:endParaRPr lang="ru-RU" sz="3200" dirty="0"/>
-          </a:p>
-        </p:txBody>
-      </p:sp>
-      <p:sp>
-        <p:nvSpPr>
-          <p:cNvPr id="3" name="Объект 2"/>
-          <p:cNvSpPr>
-            <a:spLocks noGrp="1"/>
-          </p:cNvSpPr>
-          <p:nvPr>
-            <p:ph idx="1"/>
-          </p:nvPr>
-        </p:nvSpPr>
-        <p:spPr/>
-        <p:txBody>
-          <a:bodyPr>
-            <a:normAutofit lnSpcReduction="10000"/>
-          </a:bodyPr>
-          <a:lstStyle/>
-          <a:p>
-            <a:r>
-              <a:rPr lang="ru-RU" dirty="0"/>
-              <a:t>1)Сычёв Антон</a:t>
-            </a:r>
-          </a:p>
-          <a:p>
-            <a:pPr lvl="0"/>
-            <a:r>
-              <a:rPr lang="en-US" dirty="0"/>
-              <a:t>Backend</a:t>
-            </a:r>
-            <a:endParaRPr lang="ru-RU" dirty="0"/>
-          </a:p>
-          <a:p>
-            <a:pPr lvl="0"/>
-            <a:r>
-              <a:rPr lang="ru-RU" dirty="0" smtClean="0"/>
-              <a:t>Воронки</a:t>
-            </a:r>
-            <a:endParaRPr lang="ru-RU" dirty="0"/>
-          </a:p>
-          <a:p>
-            <a:pPr lvl="0"/>
-            <a:r>
-              <a:rPr lang="ru-RU" dirty="0"/>
-              <a:t>Схема базы данных</a:t>
-            </a:r>
-          </a:p>
-          <a:p>
-            <a:pPr lvl="0"/>
-            <a:r>
-              <a:rPr lang="ru-RU" dirty="0"/>
-              <a:t>Доска на </a:t>
-            </a:r>
-            <a:r>
-              <a:rPr lang="en-US" dirty="0" err="1"/>
-              <a:t>Trello</a:t>
-            </a:r>
-            <a:endParaRPr lang="ru-RU" dirty="0"/>
-          </a:p>
-          <a:p>
-            <a:r>
-              <a:rPr lang="ru-RU" dirty="0"/>
-              <a:t>2)Сергиенко Александр</a:t>
-            </a:r>
-          </a:p>
-          <a:p>
-            <a:pPr lvl="0"/>
-            <a:r>
-              <a:rPr lang="en-US" dirty="0"/>
-              <a:t>Frontend</a:t>
-            </a:r>
-            <a:endParaRPr lang="ru-RU" dirty="0"/>
-          </a:p>
-          <a:p>
-            <a:pPr lvl="0"/>
-            <a:r>
-              <a:rPr lang="ru-RU" dirty="0" smtClean="0"/>
-              <a:t>Тесты</a:t>
-            </a:r>
-            <a:endParaRPr lang="ru-RU" dirty="0"/>
-          </a:p>
-          <a:p>
-            <a:pPr lvl="0"/>
-            <a:r>
-              <a:rPr lang="ru-RU" dirty="0"/>
-              <a:t>Доска на </a:t>
-            </a:r>
-            <a:r>
-              <a:rPr lang="en-US" dirty="0" err="1"/>
-              <a:t>Miro</a:t>
-            </a:r>
-            <a:endParaRPr lang="ru-RU" dirty="0"/>
-          </a:p>
-          <a:p>
-            <a:pPr lvl="0"/>
-            <a:r>
-              <a:rPr lang="ru-RU" dirty="0"/>
-              <a:t>Проект на </a:t>
-            </a:r>
-            <a:r>
-              <a:rPr lang="en-US" dirty="0" err="1"/>
-              <a:t>Github</a:t>
-            </a:r>
-            <a:endParaRPr lang="ru-RU" dirty="0"/>
-          </a:p>
-          <a:p>
-            <a:r>
-              <a:rPr lang="ru-RU" dirty="0" smtClean="0"/>
-              <a:t>3)</a:t>
-            </a:r>
-            <a:r>
-              <a:rPr lang="ru-RU" dirty="0"/>
-              <a:t> Диаграмму последовательности сделал Антон Сычёв, а все остальные диаграммы делали вместе.</a:t>
-            </a:r>
-          </a:p>
-        </p:txBody>
-      </p:sp>
-    </p:spTree>
-    <p:extLst>
-      <p:ext uri="{BB962C8B-B14F-4D97-AF65-F5344CB8AC3E}">
-        <p14:creationId xmlns:p14="http://schemas.microsoft.com/office/powerpoint/2010/main" val="770601663"/>
-      </p:ext>
-    </p:extLst>
-  </p:cSld>
-  <p:clrMapOvr>
-    <a:masterClrMapping/>
-  </p:clrMapOvr>
-</p:sld>
-</file>
-
-<file path=ppt/slides/slide3.xml><?xml version="1.0" encoding="utf-8"?>
-<p:sld xmlns:a="http://schemas.openxmlformats.org/drawingml/2006/main" xmlns:r="http://schemas.openxmlformats.org/officeDocument/2006/relationships" xmlns:p="http://schemas.openxmlformats.org/presentationml/2006/main">
-  <p:cSld>
-    <p:spTree>
-      <p:nvGrpSpPr>
-        <p:cNvPr id="1" name=""/>
-        <p:cNvGrpSpPr/>
-        <p:nvPr/>
-      </p:nvGrpSpPr>
-      <p:grpSpPr>
-        <a:xfrm>
-          <a:off x="0" y="0"/>
-          <a:ext cx="0" cy="0"/>
-          <a:chOff x="0" y="0"/>
-          <a:chExt cx="0" cy="0"/>
-        </a:xfrm>
-      </p:grpSpPr>
-      <p:sp>
-        <p:nvSpPr>
-          <p:cNvPr id="2" name="Заголовок 1"/>
-          <p:cNvSpPr>
-            <a:spLocks noGrp="1"/>
-          </p:cNvSpPr>
-          <p:nvPr>
-            <p:ph type="title"/>
-          </p:nvPr>
-        </p:nvSpPr>
-        <p:spPr/>
-        <p:txBody>
-          <a:bodyPr>
-            <a:normAutofit/>
-          </a:bodyPr>
-          <a:lstStyle/>
-          <a:p>
-            <a:pPr algn="ctr"/>
-            <a:r>
-              <a:rPr lang="ru-RU" sz="3200" dirty="0" smtClean="0"/>
-              <a:t>Введение</a:t>
-            </a:r>
-            <a:endParaRPr lang="ru-RU" sz="3200" dirty="0"/>
-          </a:p>
-        </p:txBody>
-      </p:sp>
-      <p:sp>
-        <p:nvSpPr>
-          <p:cNvPr id="3" name="Объект 2"/>
-          <p:cNvSpPr>
-            <a:spLocks noGrp="1"/>
-          </p:cNvSpPr>
-          <p:nvPr>
-            <p:ph idx="1"/>
-          </p:nvPr>
-        </p:nvSpPr>
-        <p:spPr/>
-        <p:txBody>
-          <a:bodyPr/>
-          <a:lstStyle/>
-          <a:p>
-            <a:pPr marL="0" indent="0">
-              <a:buNone/>
-            </a:pPr>
-            <a:r>
-              <a:rPr lang="ru-RU" dirty="0"/>
-              <a:t>В настоящее время составляющие компьютера становятся всё дороже и дороже. В связи с этим не все могут позволить себе компьютер, удовлетворяющий их требованиям. Именно поэтому компьютерные клубы вновь начинают набирать популярность.</a:t>
-            </a:r>
-            <a:endParaRPr lang="ru-RU" dirty="0"/>
-          </a:p>
-        </p:txBody>
-      </p:sp>
-    </p:spTree>
-    <p:extLst>
-      <p:ext uri="{BB962C8B-B14F-4D97-AF65-F5344CB8AC3E}">
-        <p14:creationId xmlns:p14="http://schemas.microsoft.com/office/powerpoint/2010/main" val="1574447616"/>
-      </p:ext>
-    </p:extLst>
-  </p:cSld>
-  <p:clrMapOvr>
-    <a:masterClrMapping/>
-  </p:clrMapOvr>
-</p:sld>
-</file>
-
-<file path=ppt/slides/slide4.xml><?xml version="1.0" encoding="utf-8"?>
-<p:sld xmlns:a="http://schemas.openxmlformats.org/drawingml/2006/main" xmlns:r="http://schemas.openxmlformats.org/officeDocument/2006/relationships" xmlns:p="http://schemas.openxmlformats.org/presentationml/2006/main">
-  <p:cSld>
-    <p:spTree>
-      <p:nvGrpSpPr>
-        <p:cNvPr id="1" name=""/>
-        <p:cNvGrpSpPr/>
-        <p:nvPr/>
-      </p:nvGrpSpPr>
-      <p:grpSpPr>
-        <a:xfrm>
-          <a:off x="0" y="0"/>
-          <a:ext cx="0" cy="0"/>
-          <a:chOff x="0" y="0"/>
-          <a:chExt cx="0" cy="0"/>
-        </a:xfrm>
-      </p:grpSpPr>
-      <p:sp>
-        <p:nvSpPr>
-          <p:cNvPr id="2" name="Заголовок 1"/>
-          <p:cNvSpPr>
-            <a:spLocks noGrp="1"/>
-          </p:cNvSpPr>
-          <p:nvPr>
-            <p:ph type="title"/>
-          </p:nvPr>
-        </p:nvSpPr>
-        <p:spPr/>
-        <p:txBody>
-          <a:bodyPr>
-            <a:normAutofit/>
-          </a:bodyPr>
-          <a:lstStyle/>
-          <a:p>
-            <a:pPr algn="ctr"/>
-            <a:r>
-              <a:rPr lang="ru-RU" sz="3200" dirty="0" smtClean="0"/>
-              <a:t>Цели и задачи создания сайта</a:t>
-            </a:r>
-            <a:endParaRPr lang="ru-RU" sz="3200" dirty="0"/>
-          </a:p>
-        </p:txBody>
-      </p:sp>
-      <p:sp>
-        <p:nvSpPr>
-          <p:cNvPr id="3" name="Объект 2"/>
-          <p:cNvSpPr>
-            <a:spLocks noGrp="1"/>
-          </p:cNvSpPr>
-          <p:nvPr>
-            <p:ph idx="1"/>
-          </p:nvPr>
-        </p:nvSpPr>
-        <p:spPr/>
-        <p:txBody>
-          <a:bodyPr>
-            <a:normAutofit/>
-          </a:bodyPr>
-          <a:lstStyle/>
-          <a:p>
-            <a:pPr marL="0" indent="0">
-              <a:buNone/>
-            </a:pPr>
-            <a:r>
-              <a:rPr lang="ru-RU" sz="2400" dirty="0" smtClean="0"/>
-              <a:t>1) Цели создания сайта</a:t>
-            </a:r>
-          </a:p>
-          <a:p>
-            <a:r>
-              <a:rPr lang="ru-RU" sz="2400" dirty="0" smtClean="0"/>
-              <a:t>Увеличение количества посетителей</a:t>
-            </a:r>
-          </a:p>
-          <a:p>
-            <a:r>
-              <a:rPr lang="ru-RU" sz="2400" dirty="0" smtClean="0"/>
-              <a:t>Уменьшение времени обслуживания клиента</a:t>
-            </a:r>
-          </a:p>
-          <a:p>
-            <a:pPr marL="0" indent="0">
-              <a:buNone/>
-            </a:pPr>
-            <a:r>
-              <a:rPr lang="ru-RU" sz="2400" dirty="0" smtClean="0"/>
-              <a:t>2) Задачи, решаемые при помощи сайта</a:t>
-            </a:r>
-          </a:p>
-          <a:p>
-            <a:r>
-              <a:rPr lang="ru-RU" sz="2400" dirty="0" smtClean="0"/>
-              <a:t>Предоставление информации об играх и программах</a:t>
-            </a:r>
-          </a:p>
-          <a:p>
-            <a:r>
-              <a:rPr lang="ru-RU" sz="2400" dirty="0" smtClean="0"/>
-              <a:t>Предоставление информации о ценах и подписках</a:t>
-            </a:r>
-          </a:p>
-          <a:p>
-            <a:r>
-              <a:rPr lang="ru-RU" sz="2400" dirty="0" smtClean="0"/>
-              <a:t>Оформление подписки</a:t>
-            </a:r>
-          </a:p>
-          <a:p>
-            <a:r>
-              <a:rPr lang="ru-RU" sz="2400" dirty="0" smtClean="0"/>
-              <a:t>Контроль занятости компьютеров</a:t>
-            </a:r>
-            <a:endParaRPr lang="ru-RU" sz="2400" dirty="0"/>
-          </a:p>
-        </p:txBody>
-      </p:sp>
-    </p:spTree>
-    <p:extLst>
-      <p:ext uri="{BB962C8B-B14F-4D97-AF65-F5344CB8AC3E}">
-        <p14:creationId xmlns:p14="http://schemas.microsoft.com/office/powerpoint/2010/main" val="3644199706"/>
-      </p:ext>
-    </p:extLst>
-  </p:cSld>
-  <p:clrMapOvr>
-    <a:masterClrMapping/>
-  </p:clrMapOvr>
-</p:sld>
-</file>
-
-<file path=ppt/slides/slide5.xml><?xml version="1.0" encoding="utf-8"?>
-<p:sld xmlns:a="http://schemas.openxmlformats.org/drawingml/2006/main" xmlns:r="http://schemas.openxmlformats.org/officeDocument/2006/relationships" xmlns:p="http://schemas.openxmlformats.org/presentationml/2006/main">
-  <p:cSld>
-    <p:spTree>
-      <p:nvGrpSpPr>
-        <p:cNvPr id="1" name=""/>
-        <p:cNvGrpSpPr/>
-        <p:nvPr/>
-      </p:nvGrpSpPr>
-      <p:grpSpPr>
-        <a:xfrm>
-          <a:off x="0" y="0"/>
-          <a:ext cx="0" cy="0"/>
-          <a:chOff x="0" y="0"/>
-          <a:chExt cx="0" cy="0"/>
-        </a:xfrm>
-      </p:grpSpPr>
-      <p:sp>
-        <p:nvSpPr>
-          <p:cNvPr id="2" name="Заголовок 1"/>
-          <p:cNvSpPr>
-            <a:spLocks noGrp="1"/>
-          </p:cNvSpPr>
-          <p:nvPr>
-            <p:ph type="title"/>
-          </p:nvPr>
-        </p:nvSpPr>
-        <p:spPr/>
-        <p:txBody>
-          <a:bodyPr>
-            <a:normAutofit/>
-          </a:bodyPr>
-          <a:lstStyle/>
-          <a:p>
-            <a:pPr algn="ctr"/>
-            <a:r>
-              <a:rPr lang="ru-RU" sz="3200" dirty="0" smtClean="0"/>
-              <a:t>Модульная схема</a:t>
-            </a:r>
-            <a:endParaRPr lang="ru-RU" sz="3200" dirty="0"/>
-          </a:p>
-        </p:txBody>
-      </p:sp>
-      <p:sp>
-        <p:nvSpPr>
-          <p:cNvPr id="3" name="Объект 2"/>
-          <p:cNvSpPr>
-            <a:spLocks noGrp="1"/>
-          </p:cNvSpPr>
-          <p:nvPr>
-            <p:ph idx="1"/>
-          </p:nvPr>
-        </p:nvSpPr>
-        <p:spPr/>
-        <p:txBody>
-          <a:bodyPr/>
-          <a:lstStyle/>
-          <a:p>
-            <a:pPr marL="0" indent="0">
-              <a:buNone/>
-            </a:pPr>
-            <a:endParaRPr lang="ru-RU" dirty="0"/>
-          </a:p>
-        </p:txBody>
-      </p:sp>
-    </p:spTree>
-    <p:extLst>
-      <p:ext uri="{BB962C8B-B14F-4D97-AF65-F5344CB8AC3E}">
-        <p14:creationId xmlns:p14="http://schemas.microsoft.com/office/powerpoint/2010/main" val="980957548"/>
-      </p:ext>
-    </p:extLst>
-  </p:cSld>
-  <p:clrMapOvr>
-    <a:masterClrMapping/>
-  </p:clrMapOvr>
-</p:sld>
-</file>
-
-<file path=ppt/slides/slide6.xml><?xml version="1.0" encoding="utf-8"?>
-<p:sld xmlns:a="http://schemas.openxmlformats.org/drawingml/2006/main" xmlns:r="http://schemas.openxmlformats.org/officeDocument/2006/relationships" xmlns:p="http://schemas.openxmlformats.org/presentationml/2006/main">
-  <p:cSld>
-    <p:spTree>
-      <p:nvGrpSpPr>
-        <p:cNvPr id="1" name=""/>
-        <p:cNvGrpSpPr/>
-        <p:nvPr/>
-      </p:nvGrpSpPr>
-      <p:grpSpPr>
-        <a:xfrm>
-          <a:off x="0" y="0"/>
-          <a:ext cx="0" cy="0"/>
-          <a:chOff x="0" y="0"/>
-          <a:chExt cx="0" cy="0"/>
-        </a:xfrm>
-      </p:grpSpPr>
-      <p:sp>
-        <p:nvSpPr>
-          <p:cNvPr id="2" name="Заголовок 1"/>
-          <p:cNvSpPr>
-            <a:spLocks noGrp="1"/>
-          </p:cNvSpPr>
-          <p:nvPr>
-            <p:ph type="title"/>
-          </p:nvPr>
-        </p:nvSpPr>
-        <p:spPr/>
-        <p:txBody>
-          <a:bodyPr>
-            <a:normAutofit/>
-          </a:bodyPr>
-          <a:lstStyle/>
-          <a:p>
-            <a:pPr algn="ctr"/>
-            <a:r>
-              <a:rPr lang="ru-RU" sz="3200" dirty="0" smtClean="0"/>
-              <a:t>Анализ предметной области</a:t>
-            </a:r>
-            <a:endParaRPr lang="ru-RU" sz="3200" dirty="0"/>
-          </a:p>
-        </p:txBody>
-      </p:sp>
-      <p:sp>
-        <p:nvSpPr>
-          <p:cNvPr id="3" name="Объект 2"/>
-          <p:cNvSpPr>
-            <a:spLocks noGrp="1"/>
-          </p:cNvSpPr>
-          <p:nvPr>
-            <p:ph idx="1"/>
-          </p:nvPr>
-        </p:nvSpPr>
-        <p:spPr/>
-        <p:txBody>
-          <a:bodyPr/>
-          <a:lstStyle/>
-          <a:p>
-            <a:pPr marL="0" indent="0">
-              <a:buNone/>
-            </a:pPr>
-            <a:r>
-              <a:rPr lang="en-US" dirty="0" smtClean="0"/>
-              <a:t>Frontend </a:t>
-            </a:r>
-            <a:r>
-              <a:rPr lang="ru-RU" dirty="0" smtClean="0"/>
-              <a:t>написан на языках </a:t>
-            </a:r>
-            <a:r>
-              <a:rPr lang="en-US" dirty="0" smtClean="0"/>
-              <a:t>HTML</a:t>
-            </a:r>
-            <a:r>
-              <a:rPr lang="ru-RU" dirty="0" smtClean="0"/>
-              <a:t> и </a:t>
-            </a:r>
-            <a:r>
-              <a:rPr lang="en-US" dirty="0" smtClean="0"/>
-              <a:t>CSS</a:t>
-            </a:r>
-            <a:r>
-              <a:rPr lang="ru-RU" dirty="0" smtClean="0"/>
-              <a:t>, так как данный сайт является небольшим и все его страницы статические.</a:t>
-            </a:r>
-          </a:p>
-          <a:p>
-            <a:pPr marL="0" indent="0">
-              <a:buNone/>
-            </a:pPr>
-            <a:r>
-              <a:rPr lang="en-US" dirty="0" smtClean="0"/>
-              <a:t>Backend </a:t>
-            </a:r>
-            <a:r>
-              <a:rPr lang="ru-RU" dirty="0" smtClean="0"/>
-              <a:t>написан на языке программирования </a:t>
-            </a:r>
-            <a:r>
-              <a:rPr lang="en-US" dirty="0" smtClean="0"/>
-              <a:t>PHP</a:t>
-            </a:r>
-            <a:r>
-              <a:rPr lang="ru-RU" dirty="0" smtClean="0"/>
-              <a:t>, потому что данный язык </a:t>
-            </a:r>
-            <a:r>
-              <a:rPr lang="ru-RU" smtClean="0"/>
-              <a:t>программирования является </a:t>
-            </a:r>
-            <a:endParaRPr lang="en-US" dirty="0" smtClean="0"/>
-          </a:p>
-          <a:p>
-            <a:pPr marL="0" indent="0">
-              <a:buNone/>
-            </a:pPr>
-            <a:r>
-              <a:rPr lang="ru-RU" dirty="0" smtClean="0"/>
-              <a:t>Для написания </a:t>
-            </a:r>
-            <a:endParaRPr lang="ru-RU" dirty="0"/>
-          </a:p>
-        </p:txBody>
-      </p:sp>
-    </p:spTree>
-    <p:extLst>
-      <p:ext uri="{BB962C8B-B14F-4D97-AF65-F5344CB8AC3E}">
-        <p14:creationId xmlns:p14="http://schemas.microsoft.com/office/powerpoint/2010/main" val="3609544896"/>
-      </p:ext>
-    </p:extLst>
-  </p:cSld>
-  <p:clrMapOvr>
-    <a:masterClrMapping/>
-  </p:clrMapOvr>
-  <p:timing>
-    <p:tnLst>
-      <p:par>
-        <p:cTn id="1" dur="indefinite" restart="never" nodeType="tmRoot"/>
-      </p:par>
-    </p:tnLst>
-  </p:timing>
-</p:sld>
-</file>
-
-<file path=ppt/slides/slide7.xml><?xml version="1.0" encoding="utf-8"?>
 <p:sld xmlns:a="http://schemas.openxmlformats.org/drawingml/2006/main" xmlns:r="http://schemas.openxmlformats.org/officeDocument/2006/relationships" xmlns:p="http://schemas.openxmlformats.org/presentationml/2006/main">
   <p:cSld>
     <p:spTree>
@@ -4773,7 +4012,7 @@
 </p:sld>
 </file>
 
-<file path=ppt/slides/slide8.xml><?xml version="1.0" encoding="utf-8"?>
+<file path=ppt/slides/slide11.xml><?xml version="1.0" encoding="utf-8"?>
 <p:sld xmlns:a="http://schemas.openxmlformats.org/drawingml/2006/main" xmlns:r="http://schemas.openxmlformats.org/officeDocument/2006/relationships" xmlns:p="http://schemas.openxmlformats.org/presentationml/2006/main">
   <p:cSld>
     <p:spTree>
@@ -4924,7 +4163,7 @@
 </p:sld>
 </file>
 
-<file path=ppt/slides/slide9.xml><?xml version="1.0" encoding="utf-8"?>
+<file path=ppt/slides/slide12.xml><?xml version="1.0" encoding="utf-8"?>
 <p:sld xmlns:a="http://schemas.openxmlformats.org/drawingml/2006/main" xmlns:r="http://schemas.openxmlformats.org/officeDocument/2006/relationships" xmlns:p="http://schemas.openxmlformats.org/presentationml/2006/main">
   <p:cSld>
     <p:spTree>
@@ -5014,6 +4253,1190 @@
     <p:extLst>
       <p:ext uri="{BB962C8B-B14F-4D97-AF65-F5344CB8AC3E}">
         <p14:creationId xmlns:p14="http://schemas.microsoft.com/office/powerpoint/2010/main" val="1640553191"/>
+      </p:ext>
+    </p:extLst>
+  </p:cSld>
+  <p:clrMapOvr>
+    <a:masterClrMapping/>
+  </p:clrMapOvr>
+</p:sld>
+</file>
+
+<file path=ppt/slides/slide13.xml><?xml version="1.0" encoding="utf-8"?>
+<p:sld xmlns:a="http://schemas.openxmlformats.org/drawingml/2006/main" xmlns:r="http://schemas.openxmlformats.org/officeDocument/2006/relationships" xmlns:p="http://schemas.openxmlformats.org/presentationml/2006/main">
+  <p:cSld>
+    <p:spTree>
+      <p:nvGrpSpPr>
+        <p:cNvPr id="1" name=""/>
+        <p:cNvGrpSpPr/>
+        <p:nvPr/>
+      </p:nvGrpSpPr>
+      <p:grpSpPr>
+        <a:xfrm>
+          <a:off x="0" y="0"/>
+          <a:ext cx="0" cy="0"/>
+          <a:chOff x="0" y="0"/>
+          <a:chExt cx="0" cy="0"/>
+        </a:xfrm>
+      </p:grpSpPr>
+      <p:sp>
+        <p:nvSpPr>
+          <p:cNvPr id="2" name="Заголовок 1"/>
+          <p:cNvSpPr>
+            <a:spLocks noGrp="1"/>
+          </p:cNvSpPr>
+          <p:nvPr>
+            <p:ph type="title"/>
+          </p:nvPr>
+        </p:nvSpPr>
+        <p:spPr/>
+        <p:txBody>
+          <a:bodyPr>
+            <a:normAutofit/>
+          </a:bodyPr>
+          <a:lstStyle/>
+          <a:p>
+            <a:pPr algn="ctr"/>
+            <a:r>
+              <a:rPr lang="ru-RU" sz="3200" dirty="0" smtClean="0"/>
+              <a:t>Администраторская версия</a:t>
+            </a:r>
+            <a:endParaRPr lang="ru-RU" sz="3200" dirty="0"/>
+          </a:p>
+        </p:txBody>
+      </p:sp>
+      <p:pic>
+        <p:nvPicPr>
+          <p:cNvPr id="3074" name="Picture 2" descr="C:\Users\User\Pictures\Screenshots\Снимок экрана (18).png"/>
+          <p:cNvPicPr>
+            <a:picLocks noGrp="1" noChangeAspect="1" noChangeArrowheads="1"/>
+          </p:cNvPicPr>
+          <p:nvPr>
+            <p:ph idx="1"/>
+          </p:nvPr>
+        </p:nvPicPr>
+        <p:blipFill>
+          <a:blip r:embed="rId2">
+            <a:extLst>
+              <a:ext uri="{28A0092B-C50C-407E-A947-70E740481C1C}">
+                <a14:useLocalDpi xmlns:a14="http://schemas.microsoft.com/office/drawing/2010/main" val="0"/>
+              </a:ext>
+            </a:extLst>
+          </a:blip>
+          <a:srcRect/>
+          <a:stretch>
+            <a:fillRect/>
+          </a:stretch>
+        </p:blipFill>
+        <p:spPr bwMode="auto">
+          <a:xfrm>
+            <a:off x="457200" y="1891367"/>
+            <a:ext cx="8229600" cy="4294466"/>
+          </a:xfrm>
+          <a:prstGeom prst="rect">
+            <a:avLst/>
+          </a:prstGeom>
+          <a:noFill/>
+          <a:extLst>
+            <a:ext uri="{909E8E84-426E-40DD-AFC4-6F175D3DCCD1}">
+              <a14:hiddenFill xmlns:a14="http://schemas.microsoft.com/office/drawing/2010/main">
+                <a:solidFill>
+                  <a:srgbClr val="FFFFFF"/>
+                </a:solidFill>
+              </a14:hiddenFill>
+            </a:ext>
+          </a:extLst>
+        </p:spPr>
+      </p:pic>
+    </p:spTree>
+    <p:extLst>
+      <p:ext uri="{BB962C8B-B14F-4D97-AF65-F5344CB8AC3E}">
+        <p14:creationId xmlns:p14="http://schemas.microsoft.com/office/powerpoint/2010/main" val="1388560511"/>
+      </p:ext>
+    </p:extLst>
+  </p:cSld>
+  <p:clrMapOvr>
+    <a:masterClrMapping/>
+  </p:clrMapOvr>
+</p:sld>
+</file>
+
+<file path=ppt/slides/slide14.xml><?xml version="1.0" encoding="utf-8"?>
+<p:sld xmlns:a="http://schemas.openxmlformats.org/drawingml/2006/main" xmlns:r="http://schemas.openxmlformats.org/officeDocument/2006/relationships" xmlns:p="http://schemas.openxmlformats.org/presentationml/2006/main">
+  <p:cSld>
+    <p:spTree>
+      <p:nvGrpSpPr>
+        <p:cNvPr id="1" name=""/>
+        <p:cNvGrpSpPr/>
+        <p:nvPr/>
+      </p:nvGrpSpPr>
+      <p:grpSpPr>
+        <a:xfrm>
+          <a:off x="0" y="0"/>
+          <a:ext cx="0" cy="0"/>
+          <a:chOff x="0" y="0"/>
+          <a:chExt cx="0" cy="0"/>
+        </a:xfrm>
+      </p:grpSpPr>
+      <p:sp>
+        <p:nvSpPr>
+          <p:cNvPr id="2" name="Заголовок 1"/>
+          <p:cNvSpPr>
+            <a:spLocks noGrp="1"/>
+          </p:cNvSpPr>
+          <p:nvPr>
+            <p:ph type="title"/>
+          </p:nvPr>
+        </p:nvSpPr>
+        <p:spPr>
+          <a:xfrm>
+            <a:off x="395536" y="2636912"/>
+            <a:ext cx="8229600" cy="1143000"/>
+          </a:xfrm>
+        </p:spPr>
+        <p:txBody>
+          <a:bodyPr>
+            <a:normAutofit/>
+          </a:bodyPr>
+          <a:lstStyle/>
+          <a:p>
+            <a:pPr algn="ctr"/>
+            <a:r>
+              <a:rPr lang="ru-RU" sz="3200" dirty="0" smtClean="0"/>
+              <a:t>Спасибо за внимание</a:t>
+            </a:r>
+            <a:endParaRPr lang="ru-RU" sz="3200" dirty="0"/>
+          </a:p>
+        </p:txBody>
+      </p:sp>
+    </p:spTree>
+    <p:extLst>
+      <p:ext uri="{BB962C8B-B14F-4D97-AF65-F5344CB8AC3E}">
+        <p14:creationId xmlns:p14="http://schemas.microsoft.com/office/powerpoint/2010/main" val="2416088581"/>
+      </p:ext>
+    </p:extLst>
+  </p:cSld>
+  <p:clrMapOvr>
+    <a:masterClrMapping/>
+  </p:clrMapOvr>
+</p:sld>
+</file>
+
+<file path=ppt/slides/slide2.xml><?xml version="1.0" encoding="utf-8"?>
+<p:sld xmlns:a="http://schemas.openxmlformats.org/drawingml/2006/main" xmlns:r="http://schemas.openxmlformats.org/officeDocument/2006/relationships" xmlns:p="http://schemas.openxmlformats.org/presentationml/2006/main">
+  <p:cSld>
+    <p:spTree>
+      <p:nvGrpSpPr>
+        <p:cNvPr id="1" name=""/>
+        <p:cNvGrpSpPr/>
+        <p:nvPr/>
+      </p:nvGrpSpPr>
+      <p:grpSpPr>
+        <a:xfrm>
+          <a:off x="0" y="0"/>
+          <a:ext cx="0" cy="0"/>
+          <a:chOff x="0" y="0"/>
+          <a:chExt cx="0" cy="0"/>
+        </a:xfrm>
+      </p:grpSpPr>
+      <p:sp>
+        <p:nvSpPr>
+          <p:cNvPr id="2" name="Заголовок 1"/>
+          <p:cNvSpPr>
+            <a:spLocks noGrp="1"/>
+          </p:cNvSpPr>
+          <p:nvPr>
+            <p:ph type="title"/>
+          </p:nvPr>
+        </p:nvSpPr>
+        <p:spPr/>
+        <p:txBody>
+          <a:bodyPr>
+            <a:normAutofit/>
+          </a:bodyPr>
+          <a:lstStyle/>
+          <a:p>
+            <a:pPr algn="ctr"/>
+            <a:r>
+              <a:rPr lang="ru-RU" sz="3200" dirty="0" smtClean="0"/>
+              <a:t>Распределение ролей</a:t>
+            </a:r>
+            <a:endParaRPr lang="ru-RU" sz="3200" dirty="0"/>
+          </a:p>
+        </p:txBody>
+      </p:sp>
+      <p:sp>
+        <p:nvSpPr>
+          <p:cNvPr id="3" name="Объект 2"/>
+          <p:cNvSpPr>
+            <a:spLocks noGrp="1"/>
+          </p:cNvSpPr>
+          <p:nvPr>
+            <p:ph idx="1"/>
+          </p:nvPr>
+        </p:nvSpPr>
+        <p:spPr/>
+        <p:txBody>
+          <a:bodyPr>
+            <a:normAutofit lnSpcReduction="10000"/>
+          </a:bodyPr>
+          <a:lstStyle/>
+          <a:p>
+            <a:r>
+              <a:rPr lang="ru-RU" dirty="0"/>
+              <a:t>1)Сычёв Антон</a:t>
+            </a:r>
+          </a:p>
+          <a:p>
+            <a:pPr lvl="0"/>
+            <a:r>
+              <a:rPr lang="en-US" dirty="0"/>
+              <a:t>Backend</a:t>
+            </a:r>
+            <a:endParaRPr lang="ru-RU" dirty="0"/>
+          </a:p>
+          <a:p>
+            <a:pPr lvl="0"/>
+            <a:r>
+              <a:rPr lang="ru-RU" dirty="0" smtClean="0"/>
+              <a:t>Воронки</a:t>
+            </a:r>
+            <a:endParaRPr lang="ru-RU" dirty="0"/>
+          </a:p>
+          <a:p>
+            <a:pPr lvl="0"/>
+            <a:r>
+              <a:rPr lang="ru-RU" dirty="0"/>
+              <a:t>Схема базы данных</a:t>
+            </a:r>
+          </a:p>
+          <a:p>
+            <a:pPr lvl="0"/>
+            <a:r>
+              <a:rPr lang="ru-RU" dirty="0"/>
+              <a:t>Доска на </a:t>
+            </a:r>
+            <a:r>
+              <a:rPr lang="en-US" dirty="0" err="1"/>
+              <a:t>Trello</a:t>
+            </a:r>
+            <a:endParaRPr lang="ru-RU" dirty="0"/>
+          </a:p>
+          <a:p>
+            <a:r>
+              <a:rPr lang="ru-RU" dirty="0"/>
+              <a:t>2)Сергиенко Александр</a:t>
+            </a:r>
+          </a:p>
+          <a:p>
+            <a:pPr lvl="0"/>
+            <a:r>
+              <a:rPr lang="en-US" dirty="0"/>
+              <a:t>Frontend</a:t>
+            </a:r>
+            <a:endParaRPr lang="ru-RU" dirty="0"/>
+          </a:p>
+          <a:p>
+            <a:pPr lvl="0"/>
+            <a:r>
+              <a:rPr lang="ru-RU" dirty="0" smtClean="0"/>
+              <a:t>Тесты</a:t>
+            </a:r>
+            <a:endParaRPr lang="ru-RU" dirty="0"/>
+          </a:p>
+          <a:p>
+            <a:pPr lvl="0"/>
+            <a:r>
+              <a:rPr lang="ru-RU" dirty="0"/>
+              <a:t>Доска на </a:t>
+            </a:r>
+            <a:r>
+              <a:rPr lang="en-US" dirty="0" err="1"/>
+              <a:t>Miro</a:t>
+            </a:r>
+            <a:endParaRPr lang="ru-RU" dirty="0"/>
+          </a:p>
+          <a:p>
+            <a:pPr lvl="0"/>
+            <a:r>
+              <a:rPr lang="ru-RU" dirty="0"/>
+              <a:t>Проект на </a:t>
+            </a:r>
+            <a:r>
+              <a:rPr lang="en-US" dirty="0" err="1"/>
+              <a:t>Github</a:t>
+            </a:r>
+            <a:endParaRPr lang="ru-RU" dirty="0"/>
+          </a:p>
+          <a:p>
+            <a:r>
+              <a:rPr lang="ru-RU" dirty="0" smtClean="0"/>
+              <a:t>3)</a:t>
+            </a:r>
+            <a:r>
+              <a:rPr lang="ru-RU" dirty="0"/>
+              <a:t> Диаграмму последовательности сделал Антон Сычёв, а все остальные диаграммы делали вместе.</a:t>
+            </a:r>
+          </a:p>
+        </p:txBody>
+      </p:sp>
+    </p:spTree>
+    <p:extLst>
+      <p:ext uri="{BB962C8B-B14F-4D97-AF65-F5344CB8AC3E}">
+        <p14:creationId xmlns:p14="http://schemas.microsoft.com/office/powerpoint/2010/main" val="770601663"/>
+      </p:ext>
+    </p:extLst>
+  </p:cSld>
+  <p:clrMapOvr>
+    <a:masterClrMapping/>
+  </p:clrMapOvr>
+</p:sld>
+</file>
+
+<file path=ppt/slides/slide3.xml><?xml version="1.0" encoding="utf-8"?>
+<p:sld xmlns:a="http://schemas.openxmlformats.org/drawingml/2006/main" xmlns:r="http://schemas.openxmlformats.org/officeDocument/2006/relationships" xmlns:p="http://schemas.openxmlformats.org/presentationml/2006/main">
+  <p:cSld>
+    <p:spTree>
+      <p:nvGrpSpPr>
+        <p:cNvPr id="1" name=""/>
+        <p:cNvGrpSpPr/>
+        <p:nvPr/>
+      </p:nvGrpSpPr>
+      <p:grpSpPr>
+        <a:xfrm>
+          <a:off x="0" y="0"/>
+          <a:ext cx="0" cy="0"/>
+          <a:chOff x="0" y="0"/>
+          <a:chExt cx="0" cy="0"/>
+        </a:xfrm>
+      </p:grpSpPr>
+      <p:sp>
+        <p:nvSpPr>
+          <p:cNvPr id="2" name="Заголовок 1"/>
+          <p:cNvSpPr>
+            <a:spLocks noGrp="1"/>
+          </p:cNvSpPr>
+          <p:nvPr>
+            <p:ph type="title"/>
+          </p:nvPr>
+        </p:nvSpPr>
+        <p:spPr/>
+        <p:txBody>
+          <a:bodyPr>
+            <a:normAutofit/>
+          </a:bodyPr>
+          <a:lstStyle/>
+          <a:p>
+            <a:pPr algn="ctr"/>
+            <a:r>
+              <a:rPr lang="ru-RU" sz="3200" dirty="0" smtClean="0"/>
+              <a:t>Введение</a:t>
+            </a:r>
+            <a:endParaRPr lang="ru-RU" sz="3200" dirty="0"/>
+          </a:p>
+        </p:txBody>
+      </p:sp>
+      <p:sp>
+        <p:nvSpPr>
+          <p:cNvPr id="3" name="Объект 2"/>
+          <p:cNvSpPr>
+            <a:spLocks noGrp="1"/>
+          </p:cNvSpPr>
+          <p:nvPr>
+            <p:ph idx="1"/>
+          </p:nvPr>
+        </p:nvSpPr>
+        <p:spPr/>
+        <p:txBody>
+          <a:bodyPr/>
+          <a:lstStyle/>
+          <a:p>
+            <a:pPr marL="0" indent="0">
+              <a:buNone/>
+            </a:pPr>
+            <a:r>
+              <a:rPr lang="ru-RU" dirty="0"/>
+              <a:t>В настоящее время составляющие компьютера становятся всё дороже и дороже. В связи с этим не все могут позволить себе компьютер, удовлетворяющий их требованиям. Именно поэтому компьютерные клубы вновь начинают набирать популярность.</a:t>
+            </a:r>
+          </a:p>
+        </p:txBody>
+      </p:sp>
+    </p:spTree>
+    <p:extLst>
+      <p:ext uri="{BB962C8B-B14F-4D97-AF65-F5344CB8AC3E}">
+        <p14:creationId xmlns:p14="http://schemas.microsoft.com/office/powerpoint/2010/main" val="1574447616"/>
+      </p:ext>
+    </p:extLst>
+  </p:cSld>
+  <p:clrMapOvr>
+    <a:masterClrMapping/>
+  </p:clrMapOvr>
+</p:sld>
+</file>
+
+<file path=ppt/slides/slide4.xml><?xml version="1.0" encoding="utf-8"?>
+<p:sld xmlns:a="http://schemas.openxmlformats.org/drawingml/2006/main" xmlns:r="http://schemas.openxmlformats.org/officeDocument/2006/relationships" xmlns:p="http://schemas.openxmlformats.org/presentationml/2006/main">
+  <p:cSld>
+    <p:spTree>
+      <p:nvGrpSpPr>
+        <p:cNvPr id="1" name=""/>
+        <p:cNvGrpSpPr/>
+        <p:nvPr/>
+      </p:nvGrpSpPr>
+      <p:grpSpPr>
+        <a:xfrm>
+          <a:off x="0" y="0"/>
+          <a:ext cx="0" cy="0"/>
+          <a:chOff x="0" y="0"/>
+          <a:chExt cx="0" cy="0"/>
+        </a:xfrm>
+      </p:grpSpPr>
+      <p:sp>
+        <p:nvSpPr>
+          <p:cNvPr id="2" name="Заголовок 1"/>
+          <p:cNvSpPr>
+            <a:spLocks noGrp="1"/>
+          </p:cNvSpPr>
+          <p:nvPr>
+            <p:ph type="title"/>
+          </p:nvPr>
+        </p:nvSpPr>
+        <p:spPr/>
+        <p:txBody>
+          <a:bodyPr>
+            <a:normAutofit/>
+          </a:bodyPr>
+          <a:lstStyle/>
+          <a:p>
+            <a:pPr algn="ctr"/>
+            <a:r>
+              <a:rPr lang="ru-RU" sz="3200" dirty="0" smtClean="0"/>
+              <a:t>Цели и задачи создания сайта</a:t>
+            </a:r>
+            <a:endParaRPr lang="ru-RU" sz="3200" dirty="0"/>
+          </a:p>
+        </p:txBody>
+      </p:sp>
+      <p:sp>
+        <p:nvSpPr>
+          <p:cNvPr id="3" name="Объект 2"/>
+          <p:cNvSpPr>
+            <a:spLocks noGrp="1"/>
+          </p:cNvSpPr>
+          <p:nvPr>
+            <p:ph idx="1"/>
+          </p:nvPr>
+        </p:nvSpPr>
+        <p:spPr/>
+        <p:txBody>
+          <a:bodyPr>
+            <a:normAutofit/>
+          </a:bodyPr>
+          <a:lstStyle/>
+          <a:p>
+            <a:pPr marL="0" indent="0">
+              <a:buNone/>
+            </a:pPr>
+            <a:r>
+              <a:rPr lang="ru-RU" sz="2400" dirty="0" smtClean="0"/>
+              <a:t>1) Цели создания сайта</a:t>
+            </a:r>
+          </a:p>
+          <a:p>
+            <a:r>
+              <a:rPr lang="ru-RU" sz="2400" dirty="0" smtClean="0"/>
+              <a:t>Увеличение количества посетителей</a:t>
+            </a:r>
+          </a:p>
+          <a:p>
+            <a:r>
+              <a:rPr lang="ru-RU" sz="2400" dirty="0" smtClean="0"/>
+              <a:t>Уменьшение времени обслуживания клиента</a:t>
+            </a:r>
+          </a:p>
+          <a:p>
+            <a:pPr marL="0" indent="0">
+              <a:buNone/>
+            </a:pPr>
+            <a:r>
+              <a:rPr lang="ru-RU" sz="2400" dirty="0" smtClean="0"/>
+              <a:t>2) Задачи, решаемые при помощи сайта</a:t>
+            </a:r>
+          </a:p>
+          <a:p>
+            <a:r>
+              <a:rPr lang="ru-RU" sz="2400" dirty="0" smtClean="0"/>
+              <a:t>Предоставление информации об играх и программах</a:t>
+            </a:r>
+          </a:p>
+          <a:p>
+            <a:r>
+              <a:rPr lang="ru-RU" sz="2400" dirty="0" smtClean="0"/>
+              <a:t>Предоставление информации о ценах и подписках</a:t>
+            </a:r>
+          </a:p>
+          <a:p>
+            <a:r>
+              <a:rPr lang="ru-RU" sz="2400" dirty="0" smtClean="0"/>
+              <a:t>Оформление подписки</a:t>
+            </a:r>
+          </a:p>
+          <a:p>
+            <a:r>
+              <a:rPr lang="ru-RU" sz="2400" dirty="0" smtClean="0"/>
+              <a:t>Контроль занятости компьютеров</a:t>
+            </a:r>
+            <a:endParaRPr lang="ru-RU" sz="2400" dirty="0"/>
+          </a:p>
+        </p:txBody>
+      </p:sp>
+    </p:spTree>
+    <p:extLst>
+      <p:ext uri="{BB962C8B-B14F-4D97-AF65-F5344CB8AC3E}">
+        <p14:creationId xmlns:p14="http://schemas.microsoft.com/office/powerpoint/2010/main" val="3644199706"/>
+      </p:ext>
+    </p:extLst>
+  </p:cSld>
+  <p:clrMapOvr>
+    <a:masterClrMapping/>
+  </p:clrMapOvr>
+</p:sld>
+</file>
+
+<file path=ppt/slides/slide5.xml><?xml version="1.0" encoding="utf-8"?>
+<p:sld xmlns:a="http://schemas.openxmlformats.org/drawingml/2006/main" xmlns:r="http://schemas.openxmlformats.org/officeDocument/2006/relationships" xmlns:p="http://schemas.openxmlformats.org/presentationml/2006/main">
+  <p:cSld>
+    <p:spTree>
+      <p:nvGrpSpPr>
+        <p:cNvPr id="1" name=""/>
+        <p:cNvGrpSpPr/>
+        <p:nvPr/>
+      </p:nvGrpSpPr>
+      <p:grpSpPr>
+        <a:xfrm>
+          <a:off x="0" y="0"/>
+          <a:ext cx="0" cy="0"/>
+          <a:chOff x="0" y="0"/>
+          <a:chExt cx="0" cy="0"/>
+        </a:xfrm>
+      </p:grpSpPr>
+      <p:sp>
+        <p:nvSpPr>
+          <p:cNvPr id="2" name="Заголовок 1"/>
+          <p:cNvSpPr>
+            <a:spLocks noGrp="1"/>
+          </p:cNvSpPr>
+          <p:nvPr>
+            <p:ph type="title"/>
+          </p:nvPr>
+        </p:nvSpPr>
+        <p:spPr/>
+        <p:txBody>
+          <a:bodyPr>
+            <a:normAutofit/>
+          </a:bodyPr>
+          <a:lstStyle/>
+          <a:p>
+            <a:pPr algn="ctr"/>
+            <a:r>
+              <a:rPr lang="ru-RU" sz="3200" dirty="0" smtClean="0"/>
+              <a:t>Модульная схема</a:t>
+            </a:r>
+            <a:endParaRPr lang="ru-RU" sz="3200" dirty="0"/>
+          </a:p>
+        </p:txBody>
+      </p:sp>
+      <p:pic>
+        <p:nvPicPr>
+          <p:cNvPr id="2050" name="Picture 2" descr="E:\Документы\ТП\Диаграммы\Диаграмма развертывания.png"/>
+          <p:cNvPicPr>
+            <a:picLocks noGrp="1" noChangeAspect="1" noChangeArrowheads="1"/>
+          </p:cNvPicPr>
+          <p:nvPr>
+            <p:ph idx="1"/>
+          </p:nvPr>
+        </p:nvPicPr>
+        <p:blipFill>
+          <a:blip r:embed="rId2">
+            <a:extLst>
+              <a:ext uri="{28A0092B-C50C-407E-A947-70E740481C1C}">
+                <a14:useLocalDpi xmlns:a14="http://schemas.microsoft.com/office/drawing/2010/main" val="0"/>
+              </a:ext>
+            </a:extLst>
+          </a:blip>
+          <a:srcRect/>
+          <a:stretch>
+            <a:fillRect/>
+          </a:stretch>
+        </p:blipFill>
+        <p:spPr bwMode="auto">
+          <a:xfrm>
+            <a:off x="1259632" y="1700808"/>
+            <a:ext cx="6192114" cy="4210638"/>
+          </a:xfrm>
+          <a:prstGeom prst="rect">
+            <a:avLst/>
+          </a:prstGeom>
+          <a:noFill/>
+          <a:extLst>
+            <a:ext uri="{909E8E84-426E-40DD-AFC4-6F175D3DCCD1}">
+              <a14:hiddenFill xmlns:a14="http://schemas.microsoft.com/office/drawing/2010/main">
+                <a:solidFill>
+                  <a:srgbClr val="FFFFFF"/>
+                </a:solidFill>
+              </a14:hiddenFill>
+            </a:ext>
+          </a:extLst>
+        </p:spPr>
+      </p:pic>
+    </p:spTree>
+    <p:extLst>
+      <p:ext uri="{BB962C8B-B14F-4D97-AF65-F5344CB8AC3E}">
+        <p14:creationId xmlns:p14="http://schemas.microsoft.com/office/powerpoint/2010/main" val="980957548"/>
+      </p:ext>
+    </p:extLst>
+  </p:cSld>
+  <p:clrMapOvr>
+    <a:masterClrMapping/>
+  </p:clrMapOvr>
+</p:sld>
+</file>
+
+<file path=ppt/slides/slide6.xml><?xml version="1.0" encoding="utf-8"?>
+<p:sld xmlns:a="http://schemas.openxmlformats.org/drawingml/2006/main" xmlns:r="http://schemas.openxmlformats.org/officeDocument/2006/relationships" xmlns:p="http://schemas.openxmlformats.org/presentationml/2006/main">
+  <p:cSld>
+    <p:spTree>
+      <p:nvGrpSpPr>
+        <p:cNvPr id="1" name=""/>
+        <p:cNvGrpSpPr/>
+        <p:nvPr/>
+      </p:nvGrpSpPr>
+      <p:grpSpPr>
+        <a:xfrm>
+          <a:off x="0" y="0"/>
+          <a:ext cx="0" cy="0"/>
+          <a:chOff x="0" y="0"/>
+          <a:chExt cx="0" cy="0"/>
+        </a:xfrm>
+      </p:grpSpPr>
+      <p:sp>
+        <p:nvSpPr>
+          <p:cNvPr id="2" name="Заголовок 1"/>
+          <p:cNvSpPr>
+            <a:spLocks noGrp="1"/>
+          </p:cNvSpPr>
+          <p:nvPr>
+            <p:ph type="title"/>
+          </p:nvPr>
+        </p:nvSpPr>
+        <p:spPr/>
+        <p:txBody>
+          <a:bodyPr>
+            <a:normAutofit/>
+          </a:bodyPr>
+          <a:lstStyle/>
+          <a:p>
+            <a:pPr algn="ctr"/>
+            <a:r>
+              <a:rPr lang="ru-RU" sz="3200" dirty="0" smtClean="0"/>
+              <a:t>Анализ предметной области</a:t>
+            </a:r>
+            <a:endParaRPr lang="ru-RU" sz="3200" dirty="0"/>
+          </a:p>
+        </p:txBody>
+      </p:sp>
+      <p:sp>
+        <p:nvSpPr>
+          <p:cNvPr id="3" name="Объект 2"/>
+          <p:cNvSpPr>
+            <a:spLocks noGrp="1"/>
+          </p:cNvSpPr>
+          <p:nvPr>
+            <p:ph idx="1"/>
+          </p:nvPr>
+        </p:nvSpPr>
+        <p:spPr/>
+        <p:txBody>
+          <a:bodyPr/>
+          <a:lstStyle/>
+          <a:p>
+            <a:pPr marL="0" indent="0">
+              <a:buNone/>
+            </a:pPr>
+            <a:r>
+              <a:rPr lang="ru-RU" dirty="0"/>
+              <a:t>Писать в журнал дольше, чем сделать пару кликов на сайте. При измерении времени получилось, что 12 секунд уходит на заполнение журнала и 3 секунды на обслуживание клиента на </a:t>
+            </a:r>
+            <a:r>
+              <a:rPr lang="ru-RU" dirty="0" smtClean="0"/>
+              <a:t>сайте</a:t>
+            </a:r>
+            <a:r>
+              <a:rPr lang="ru-RU" dirty="0"/>
+              <a:t>. </a:t>
+            </a:r>
+            <a:r>
+              <a:rPr lang="ru-RU" dirty="0"/>
+              <a:t>Организация, у которой есть сайт, будет иметь больше посетителей, чем организация, у которой нет сайта. Это можно проверить, подсчитав среднее число посетителей до появления сайта и после.</a:t>
+            </a:r>
+            <a:endParaRPr lang="ru-RU" dirty="0"/>
+          </a:p>
+        </p:txBody>
+      </p:sp>
+    </p:spTree>
+    <p:extLst>
+      <p:ext uri="{BB962C8B-B14F-4D97-AF65-F5344CB8AC3E}">
+        <p14:creationId xmlns:p14="http://schemas.microsoft.com/office/powerpoint/2010/main" val="193828026"/>
+      </p:ext>
+    </p:extLst>
+  </p:cSld>
+  <p:clrMapOvr>
+    <a:masterClrMapping/>
+  </p:clrMapOvr>
+</p:sld>
+</file>
+
+<file path=ppt/slides/slide7.xml><?xml version="1.0" encoding="utf-8"?>
+<p:sld xmlns:a="http://schemas.openxmlformats.org/drawingml/2006/main" xmlns:r="http://schemas.openxmlformats.org/officeDocument/2006/relationships" xmlns:p="http://schemas.openxmlformats.org/presentationml/2006/main">
+  <p:cSld>
+    <p:spTree>
+      <p:nvGrpSpPr>
+        <p:cNvPr id="1" name=""/>
+        <p:cNvGrpSpPr/>
+        <p:nvPr/>
+      </p:nvGrpSpPr>
+      <p:grpSpPr>
+        <a:xfrm>
+          <a:off x="0" y="0"/>
+          <a:ext cx="0" cy="0"/>
+          <a:chOff x="0" y="0"/>
+          <a:chExt cx="0" cy="0"/>
+        </a:xfrm>
+      </p:grpSpPr>
+      <p:sp>
+        <p:nvSpPr>
+          <p:cNvPr id="2" name="Заголовок 1"/>
+          <p:cNvSpPr>
+            <a:spLocks noGrp="1"/>
+          </p:cNvSpPr>
+          <p:nvPr>
+            <p:ph type="title"/>
+          </p:nvPr>
+        </p:nvSpPr>
+        <p:spPr/>
+        <p:txBody>
+          <a:bodyPr>
+            <a:normAutofit/>
+          </a:bodyPr>
+          <a:lstStyle/>
+          <a:p>
+            <a:pPr algn="ctr"/>
+            <a:r>
+              <a:rPr lang="ru-RU" sz="3200" dirty="0" smtClean="0"/>
+              <a:t>Выбор технологий</a:t>
+            </a:r>
+            <a:endParaRPr lang="ru-RU" sz="3200" dirty="0"/>
+          </a:p>
+        </p:txBody>
+      </p:sp>
+      <p:sp>
+        <p:nvSpPr>
+          <p:cNvPr id="3" name="Объект 2"/>
+          <p:cNvSpPr>
+            <a:spLocks noGrp="1"/>
+          </p:cNvSpPr>
+          <p:nvPr>
+            <p:ph idx="1"/>
+          </p:nvPr>
+        </p:nvSpPr>
+        <p:spPr/>
+        <p:txBody>
+          <a:bodyPr/>
+          <a:lstStyle/>
+          <a:p>
+            <a:pPr marL="0" indent="0">
+              <a:buNone/>
+            </a:pPr>
+            <a:r>
+              <a:rPr lang="en-US" dirty="0" smtClean="0"/>
+              <a:t>Frontend </a:t>
+            </a:r>
+            <a:r>
+              <a:rPr lang="ru-RU" dirty="0" smtClean="0"/>
+              <a:t>написан на языках </a:t>
+            </a:r>
+            <a:r>
+              <a:rPr lang="en-US" dirty="0" smtClean="0"/>
+              <a:t>HTML</a:t>
+            </a:r>
+            <a:r>
+              <a:rPr lang="ru-RU" dirty="0" smtClean="0"/>
+              <a:t> и </a:t>
+            </a:r>
+            <a:r>
+              <a:rPr lang="en-US" dirty="0" smtClean="0"/>
+              <a:t>CSS</a:t>
+            </a:r>
+            <a:r>
+              <a:rPr lang="ru-RU" dirty="0" smtClean="0"/>
+              <a:t>, так как данный сайт является небольшим и все его страницы статические.</a:t>
+            </a:r>
+          </a:p>
+          <a:p>
+            <a:pPr marL="0" indent="0">
+              <a:buNone/>
+            </a:pPr>
+            <a:r>
+              <a:rPr lang="en-US" dirty="0" smtClean="0"/>
+              <a:t>Backend </a:t>
+            </a:r>
+            <a:r>
+              <a:rPr lang="ru-RU" dirty="0" smtClean="0"/>
+              <a:t>написан на языке программирования </a:t>
+            </a:r>
+            <a:r>
+              <a:rPr lang="en-US" dirty="0" smtClean="0"/>
+              <a:t>PHP</a:t>
+            </a:r>
+            <a:r>
+              <a:rPr lang="ru-RU" dirty="0" smtClean="0"/>
+              <a:t>, потому что </a:t>
+            </a:r>
+            <a:r>
+              <a:rPr lang="en-US" dirty="0" smtClean="0"/>
+              <a:t>PHP </a:t>
+            </a:r>
+            <a:r>
+              <a:rPr lang="ru-RU" dirty="0" smtClean="0"/>
+              <a:t>–</a:t>
+            </a:r>
+            <a:r>
+              <a:rPr lang="en-US" dirty="0" smtClean="0"/>
+              <a:t> </a:t>
+            </a:r>
+            <a:r>
+              <a:rPr lang="ru-RU" dirty="0" smtClean="0"/>
+              <a:t>это идеальный </a:t>
+            </a:r>
+            <a:r>
+              <a:rPr lang="ru-RU" dirty="0"/>
+              <a:t>вариант для маленьких сайтов. Особенно, если всё, что </a:t>
+            </a:r>
+            <a:r>
+              <a:rPr lang="ru-RU" dirty="0" smtClean="0"/>
+              <a:t>нужно </a:t>
+            </a:r>
+            <a:r>
+              <a:rPr lang="ru-RU" dirty="0"/>
+              <a:t>– </a:t>
+            </a:r>
+            <a:r>
+              <a:rPr lang="ru-RU" dirty="0" smtClean="0"/>
+              <a:t>обрабатывать нажатия </a:t>
+            </a:r>
+            <a:r>
+              <a:rPr lang="ru-RU" dirty="0"/>
+              <a:t>кнопок. На других языках код, делающий то же самое, будет более громоздким и менее оптимизированным.</a:t>
+            </a:r>
+            <a:endParaRPr lang="ru-RU" dirty="0"/>
+          </a:p>
+        </p:txBody>
+      </p:sp>
+    </p:spTree>
+    <p:extLst>
+      <p:ext uri="{BB962C8B-B14F-4D97-AF65-F5344CB8AC3E}">
+        <p14:creationId xmlns:p14="http://schemas.microsoft.com/office/powerpoint/2010/main" val="3609544896"/>
+      </p:ext>
+    </p:extLst>
+  </p:cSld>
+  <p:clrMapOvr>
+    <a:masterClrMapping/>
+  </p:clrMapOvr>
+  <mc:AlternateContent xmlns:mc="http://schemas.openxmlformats.org/markup-compatibility/2006">
+    <mc:Choice xmlns:p14="http://schemas.microsoft.com/office/powerpoint/2010/main" Requires="p14">
+      <p:transition spd="slow" p14:dur="2000"/>
+    </mc:Choice>
+    <mc:Fallback>
+      <p:transition spd="slow"/>
+    </mc:Fallback>
+  </mc:AlternateContent>
+  <p:timing>
+    <p:tnLst>
+      <p:par>
+        <p:cTn id="1" dur="indefinite" restart="never" nodeType="tmRoot"/>
+      </p:par>
+    </p:tnLst>
+  </p:timing>
+</p:sld>
+</file>
+
+<file path=ppt/slides/slide8.xml><?xml version="1.0" encoding="utf-8"?>
+<p:sld xmlns:a="http://schemas.openxmlformats.org/drawingml/2006/main" xmlns:r="http://schemas.openxmlformats.org/officeDocument/2006/relationships" xmlns:p="http://schemas.openxmlformats.org/presentationml/2006/main">
+  <p:cSld>
+    <p:spTree>
+      <p:nvGrpSpPr>
+        <p:cNvPr id="1" name=""/>
+        <p:cNvGrpSpPr/>
+        <p:nvPr/>
+      </p:nvGrpSpPr>
+      <p:grpSpPr>
+        <a:xfrm>
+          <a:off x="0" y="0"/>
+          <a:ext cx="0" cy="0"/>
+          <a:chOff x="0" y="0"/>
+          <a:chExt cx="0" cy="0"/>
+        </a:xfrm>
+      </p:grpSpPr>
+      <p:sp>
+        <p:nvSpPr>
+          <p:cNvPr id="2" name="Заголовок 1"/>
+          <p:cNvSpPr>
+            <a:spLocks noGrp="1"/>
+          </p:cNvSpPr>
+          <p:nvPr>
+            <p:ph type="title"/>
+          </p:nvPr>
+        </p:nvSpPr>
+        <p:spPr/>
+        <p:txBody>
+          <a:bodyPr>
+            <a:normAutofit/>
+          </a:bodyPr>
+          <a:lstStyle/>
+          <a:p>
+            <a:pPr algn="ctr"/>
+            <a:r>
+              <a:rPr lang="ru-RU" sz="3200" dirty="0"/>
+              <a:t>Выбор технологий</a:t>
+            </a:r>
+          </a:p>
+        </p:txBody>
+      </p:sp>
+      <p:sp>
+        <p:nvSpPr>
+          <p:cNvPr id="3" name="Объект 2"/>
+          <p:cNvSpPr>
+            <a:spLocks noGrp="1"/>
+          </p:cNvSpPr>
+          <p:nvPr>
+            <p:ph idx="1"/>
+          </p:nvPr>
+        </p:nvSpPr>
+        <p:spPr/>
+        <p:txBody>
+          <a:bodyPr/>
+          <a:lstStyle/>
+          <a:p>
+            <a:pPr marL="0" indent="0">
+              <a:buNone/>
+            </a:pPr>
+            <a:r>
+              <a:rPr lang="ru-RU" dirty="0" smtClean="0"/>
+              <a:t>Расширение </a:t>
+            </a:r>
+            <a:r>
+              <a:rPr lang="en-US" dirty="0" err="1" smtClean="0"/>
+              <a:t>MySQLi</a:t>
+            </a:r>
+            <a:r>
+              <a:rPr lang="ru-RU" dirty="0" smtClean="0"/>
+              <a:t> для </a:t>
+            </a:r>
+            <a:r>
+              <a:rPr lang="en-US" dirty="0" smtClean="0"/>
+              <a:t>PHP </a:t>
+            </a:r>
+            <a:r>
+              <a:rPr lang="ru-RU" dirty="0" smtClean="0"/>
+              <a:t>предоставляет </a:t>
+            </a:r>
+            <a:r>
+              <a:rPr lang="ru-RU" dirty="0"/>
+              <a:t>возможности удобной работы с базами данных. Для запросов используется </a:t>
+            </a:r>
+            <a:r>
+              <a:rPr lang="ru-RU" dirty="0" smtClean="0"/>
+              <a:t>язык </a:t>
+            </a:r>
+            <a:r>
+              <a:rPr lang="en-US" dirty="0" smtClean="0"/>
+              <a:t>SQL, </a:t>
+            </a:r>
+            <a:r>
+              <a:rPr lang="ru-RU" dirty="0" smtClean="0"/>
+              <a:t>в </a:t>
+            </a:r>
+            <a:r>
+              <a:rPr lang="ru-RU" dirty="0"/>
+              <a:t>них можно вставлять переменные </a:t>
+            </a:r>
+            <a:r>
+              <a:rPr lang="en-US" dirty="0" smtClean="0"/>
+              <a:t>PHP</a:t>
+            </a:r>
+            <a:r>
+              <a:rPr lang="ru-RU" dirty="0" smtClean="0"/>
+              <a:t>. </a:t>
+            </a:r>
+            <a:r>
+              <a:rPr lang="ru-RU" dirty="0"/>
+              <a:t>Для работы с базами данных достаточно просто создать подключение </a:t>
+            </a:r>
+            <a:r>
+              <a:rPr lang="ru-RU" dirty="0"/>
+              <a:t>к</a:t>
+            </a:r>
+            <a:r>
+              <a:rPr lang="ru-RU" dirty="0" smtClean="0"/>
+              <a:t> БД. </a:t>
+            </a:r>
+            <a:r>
+              <a:rPr lang="ru-RU" dirty="0"/>
+              <a:t>По сравнению с </a:t>
+            </a:r>
+            <a:r>
+              <a:rPr lang="en-US" dirty="0" err="1" smtClean="0"/>
+              <a:t>MySQLi</a:t>
+            </a:r>
+            <a:r>
+              <a:rPr lang="ru-RU" dirty="0"/>
+              <a:t>,</a:t>
+            </a:r>
+            <a:r>
+              <a:rPr lang="ru-RU" dirty="0" smtClean="0"/>
+              <a:t> работа </a:t>
+            </a:r>
+            <a:r>
+              <a:rPr lang="ru-RU" dirty="0"/>
+              <a:t>с </a:t>
+            </a:r>
+            <a:r>
+              <a:rPr lang="ru-RU" dirty="0" smtClean="0"/>
+              <a:t>БД </a:t>
+            </a:r>
+            <a:r>
+              <a:rPr lang="ru-RU" dirty="0"/>
+              <a:t>на других языках невероятно громоздкая</a:t>
+            </a:r>
+            <a:r>
+              <a:rPr lang="ru-RU" dirty="0" smtClean="0"/>
+              <a:t>.</a:t>
+            </a:r>
+            <a:endParaRPr lang="ru-RU" dirty="0"/>
+          </a:p>
+        </p:txBody>
+      </p:sp>
+    </p:spTree>
+    <p:extLst>
+      <p:ext uri="{BB962C8B-B14F-4D97-AF65-F5344CB8AC3E}">
+        <p14:creationId xmlns:p14="http://schemas.microsoft.com/office/powerpoint/2010/main" val="504420109"/>
+      </p:ext>
+    </p:extLst>
+  </p:cSld>
+  <p:clrMapOvr>
+    <a:masterClrMapping/>
+  </p:clrMapOvr>
+  <mc:AlternateContent xmlns:mc="http://schemas.openxmlformats.org/markup-compatibility/2006">
+    <mc:Choice xmlns:p14="http://schemas.microsoft.com/office/powerpoint/2010/main" Requires="p14">
+      <p:transition spd="slow" p14:dur="2000"/>
+    </mc:Choice>
+    <mc:Fallback>
+      <p:transition spd="slow"/>
+    </mc:Fallback>
+  </mc:AlternateContent>
+</p:sld>
+</file>
+
+<file path=ppt/slides/slide9.xml><?xml version="1.0" encoding="utf-8"?>
+<p:sld xmlns:a="http://schemas.openxmlformats.org/drawingml/2006/main" xmlns:r="http://schemas.openxmlformats.org/officeDocument/2006/relationships" xmlns:p="http://schemas.openxmlformats.org/presentationml/2006/main">
+  <p:cSld>
+    <p:spTree>
+      <p:nvGrpSpPr>
+        <p:cNvPr id="1" name=""/>
+        <p:cNvGrpSpPr/>
+        <p:nvPr/>
+      </p:nvGrpSpPr>
+      <p:grpSpPr>
+        <a:xfrm>
+          <a:off x="0" y="0"/>
+          <a:ext cx="0" cy="0"/>
+          <a:chOff x="0" y="0"/>
+          <a:chExt cx="0" cy="0"/>
+        </a:xfrm>
+      </p:grpSpPr>
+      <p:sp>
+        <p:nvSpPr>
+          <p:cNvPr id="2" name="Заголовок 1"/>
+          <p:cNvSpPr>
+            <a:spLocks noGrp="1"/>
+          </p:cNvSpPr>
+          <p:nvPr>
+            <p:ph type="title"/>
+          </p:nvPr>
+        </p:nvSpPr>
+        <p:spPr/>
+        <p:txBody>
+          <a:bodyPr>
+            <a:normAutofit/>
+          </a:bodyPr>
+          <a:lstStyle/>
+          <a:p>
+            <a:pPr algn="ctr"/>
+            <a:r>
+              <a:rPr lang="ru-RU" sz="3200" dirty="0" smtClean="0"/>
+              <a:t>Схема бизнес логики</a:t>
+            </a:r>
+            <a:endParaRPr lang="ru-RU" sz="3200" dirty="0"/>
+          </a:p>
+        </p:txBody>
+      </p:sp>
+      <p:pic>
+        <p:nvPicPr>
+          <p:cNvPr id="1026" name="Picture 2" descr="C:\Users\User\Downloads\10.jpg"/>
+          <p:cNvPicPr>
+            <a:picLocks noGrp="1" noChangeAspect="1" noChangeArrowheads="1"/>
+          </p:cNvPicPr>
+          <p:nvPr>
+            <p:ph idx="1"/>
+          </p:nvPr>
+        </p:nvPicPr>
+        <p:blipFill>
+          <a:blip r:embed="rId2">
+            <a:extLst>
+              <a:ext uri="{28A0092B-C50C-407E-A947-70E740481C1C}">
+                <a14:useLocalDpi xmlns:a14="http://schemas.microsoft.com/office/drawing/2010/main" val="0"/>
+              </a:ext>
+            </a:extLst>
+          </a:blip>
+          <a:srcRect/>
+          <a:stretch>
+            <a:fillRect/>
+          </a:stretch>
+        </p:blipFill>
+        <p:spPr bwMode="auto">
+          <a:xfrm>
+            <a:off x="1043608" y="2276872"/>
+            <a:ext cx="7034594" cy="1780540"/>
+          </a:xfrm>
+          <a:prstGeom prst="rect">
+            <a:avLst/>
+          </a:prstGeom>
+          <a:noFill/>
+          <a:extLst>
+            <a:ext uri="{909E8E84-426E-40DD-AFC4-6F175D3DCCD1}">
+              <a14:hiddenFill xmlns:a14="http://schemas.microsoft.com/office/drawing/2010/main">
+                <a:solidFill>
+                  <a:srgbClr val="FFFFFF"/>
+                </a:solidFill>
+              </a14:hiddenFill>
+            </a:ext>
+          </a:extLst>
+        </p:spPr>
+      </p:pic>
+    </p:spTree>
+    <p:extLst>
+      <p:ext uri="{BB962C8B-B14F-4D97-AF65-F5344CB8AC3E}">
+        <p14:creationId xmlns:p14="http://schemas.microsoft.com/office/powerpoint/2010/main" val="2078912397"/>
       </p:ext>
     </p:extLst>
   </p:cSld>
